--- a/Presentasi Materi Project Chatbot Manager Python PHP.pptx
+++ b/Presentasi Materi Project Chatbot Manager Python PHP.pptx
@@ -243,7 +243,7 @@
           <a:p>
             <a:fld id="{EC13577B-6902-467D-A26C-08A0DD5E4E03}" type="datetimeFigureOut">
               <a:rPr lang="en-US" smtClean="0"/>
-              <a:t>6/5/20</a:t>
+              <a:t>6/5/2020</a:t>
             </a:fld>
             <a:endParaRPr lang="en-US"/>
           </a:p>
@@ -1477,7 +1477,7 @@
             <a:fld id="{8BEEBAAA-29B5-4AF5-BC5F-7E580C29002D}" type="datetimeFigureOut">
               <a:rPr lang="en-US" smtClean="0"/>
               <a:pPr/>
-              <a:t>6/5/20</a:t>
+              <a:t>6/5/2020</a:t>
             </a:fld>
             <a:endParaRPr lang="en-US"/>
           </a:p>
@@ -2022,7 +2022,7 @@
             <a:fld id="{8BEEBAAA-29B5-4AF5-BC5F-7E580C29002D}" type="datetimeFigureOut">
               <a:rPr lang="en-US" smtClean="0"/>
               <a:pPr/>
-              <a:t>6/5/20</a:t>
+              <a:t>6/5/2020</a:t>
             </a:fld>
             <a:endParaRPr lang="en-US" dirty="0"/>
           </a:p>
@@ -2869,6 +2869,43 @@
           </a:p>
         </p:txBody>
       </p:sp>
+      <p:pic>
+        <p:nvPicPr>
+          <p:cNvPr id="12" name="Picture 11">
+            <a:extLst>
+              <a:ext uri="{FF2B5EF4-FFF2-40B4-BE49-F238E27FC236}">
+                <a16:creationId xmlns:a16="http://schemas.microsoft.com/office/drawing/2014/main" id="{33F2D4F2-0BAA-497E-8A93-5AF2A94FEC2B}"/>
+              </a:ext>
+            </a:extLst>
+          </p:cNvPr>
+          <p:cNvPicPr>
+            <a:picLocks noChangeAspect="1"/>
+          </p:cNvPicPr>
+          <p:nvPr/>
+        </p:nvPicPr>
+        <p:blipFill>
+          <a:blip r:embed="rId5">
+            <a:lum bright="70000" contrast="-70000"/>
+            <a:extLst>
+              <a:ext uri="{28A0092B-C50C-407E-A947-70E740481C1C}">
+                <a14:useLocalDpi xmlns:a14="http://schemas.microsoft.com/office/drawing/2010/main" val="0"/>
+              </a:ext>
+            </a:extLst>
+          </a:blip>
+          <a:stretch>
+            <a:fillRect/>
+          </a:stretch>
+        </p:blipFill>
+        <p:spPr>
+          <a:xfrm>
+            <a:off x="811306" y="5023650"/>
+            <a:ext cx="1340050" cy="1340050"/>
+          </a:xfrm>
+          <a:prstGeom prst="rect">
+            <a:avLst/>
+          </a:prstGeom>
+        </p:spPr>
+      </p:pic>
     </p:spTree>
     <p:extLst>
       <p:ext uri="{BB962C8B-B14F-4D97-AF65-F5344CB8AC3E}">
@@ -2970,8 +3007,8 @@
         </p:nvSpPr>
         <p:spPr>
           <a:xfrm>
-            <a:off x="576233" y="1747805"/>
-            <a:ext cx="10805931" cy="476704"/>
+            <a:off x="547870" y="2174125"/>
+            <a:ext cx="10805931" cy="1208868"/>
           </a:xfrm>
         </p:spPr>
         <p:txBody>
@@ -2980,49 +3017,149 @@
           </a:bodyPr>
           <a:lstStyle/>
           <a:p>
-            <a:pPr marL="0" indent="0">
+            <a:pPr>
               <a:lnSpc>
                 <a:spcPct val="150000"/>
               </a:lnSpc>
               <a:spcAft>
                 <a:spcPts val="1200"/>
               </a:spcAft>
-              <a:buNone/>
             </a:pPr>
             <a:r>
-              <a:rPr lang="en-US" sz="1600" dirty="0">
-                <a:latin typeface="Arial" panose="020B0604020202020204" pitchFamily="34" charset="0"/>
-                <a:cs typeface="Arial" panose="020B0604020202020204" pitchFamily="34" charset="0"/>
-              </a:rPr>
-              <a:t>At the top of your document, the </a:t>
-            </a:r>
-            <a:r>
-              <a:rPr lang="en-US" sz="1600" b="1" dirty="0">
-                <a:latin typeface="Arial" panose="020B0604020202020204" pitchFamily="34" charset="0"/>
-                <a:cs typeface="Arial" panose="020B0604020202020204" pitchFamily="34" charset="0"/>
-              </a:rPr>
-              <a:t>Quick Access Toolbar </a:t>
-            </a:r>
-            <a:r>
-              <a:rPr lang="en-US" sz="1600" dirty="0">
-                <a:latin typeface="Arial" panose="020B0604020202020204" pitchFamily="34" charset="0"/>
-                <a:cs typeface="Arial" panose="020B0604020202020204" pitchFamily="34" charset="0"/>
-              </a:rPr>
-              <a:t>puts the commands you use frequently just one </a:t>
-            </a:r>
-            <a:r>
               <a:rPr lang="en-US" dirty="0">
                 <a:latin typeface="Arial" panose="020B0604020202020204" pitchFamily="34" charset="0"/>
                 <a:cs typeface="Arial" panose="020B0604020202020204" pitchFamily="34" charset="0"/>
               </a:rPr>
-              <a:t>click</a:t>
-            </a:r>
-            <a:r>
-              <a:rPr lang="en-US" sz="1600" dirty="0">
-                <a:latin typeface="Arial" panose="020B0604020202020204" pitchFamily="34" charset="0"/>
-                <a:cs typeface="Arial" panose="020B0604020202020204" pitchFamily="34" charset="0"/>
-              </a:rPr>
-              <a:t> away.</a:t>
+              <a:t>3.15 </a:t>
+            </a:r>
+            <a:r>
+              <a:rPr lang="en-US" dirty="0" err="1">
+                <a:latin typeface="Arial" panose="020B0604020202020204" pitchFamily="34" charset="0"/>
+                <a:cs typeface="Arial" panose="020B0604020202020204" pitchFamily="34" charset="0"/>
+              </a:rPr>
+              <a:t>Mengevaluasi</a:t>
+            </a:r>
+            <a:r>
+              <a:rPr lang="en-US" dirty="0">
+                <a:latin typeface="Arial" panose="020B0604020202020204" pitchFamily="34" charset="0"/>
+                <a:cs typeface="Arial" panose="020B0604020202020204" pitchFamily="34" charset="0"/>
+              </a:rPr>
+              <a:t> </a:t>
+            </a:r>
+            <a:r>
+              <a:rPr lang="en-US" dirty="0" err="1">
+                <a:latin typeface="Arial" panose="020B0604020202020204" pitchFamily="34" charset="0"/>
+                <a:cs typeface="Arial" panose="020B0604020202020204" pitchFamily="34" charset="0"/>
+              </a:rPr>
+              <a:t>Aplikasi</a:t>
+            </a:r>
+            <a:r>
+              <a:rPr lang="en-US" dirty="0">
+                <a:latin typeface="Arial" panose="020B0604020202020204" pitchFamily="34" charset="0"/>
+                <a:cs typeface="Arial" panose="020B0604020202020204" pitchFamily="34" charset="0"/>
+              </a:rPr>
+              <a:t> </a:t>
+            </a:r>
+            <a:r>
+              <a:rPr lang="en-US" dirty="0" err="1">
+                <a:latin typeface="Arial" panose="020B0604020202020204" pitchFamily="34" charset="0"/>
+                <a:cs typeface="Arial" panose="020B0604020202020204" pitchFamily="34" charset="0"/>
+              </a:rPr>
+              <a:t>interaktif</a:t>
+            </a:r>
+            <a:r>
+              <a:rPr lang="en-US" dirty="0">
+                <a:latin typeface="Arial" panose="020B0604020202020204" pitchFamily="34" charset="0"/>
+                <a:cs typeface="Arial" panose="020B0604020202020204" pitchFamily="34" charset="0"/>
+              </a:rPr>
+              <a:t> pada </a:t>
+            </a:r>
+            <a:r>
+              <a:rPr lang="en-US" dirty="0" err="1">
+                <a:latin typeface="Arial" panose="020B0604020202020204" pitchFamily="34" charset="0"/>
+                <a:cs typeface="Arial" panose="020B0604020202020204" pitchFamily="34" charset="0"/>
+              </a:rPr>
+              <a:t>halaman</a:t>
+            </a:r>
+            <a:r>
+              <a:rPr lang="en-US" dirty="0">
+                <a:latin typeface="Arial" panose="020B0604020202020204" pitchFamily="34" charset="0"/>
+                <a:cs typeface="Arial" panose="020B0604020202020204" pitchFamily="34" charset="0"/>
+              </a:rPr>
+              <a:t> web</a:t>
+            </a:r>
+          </a:p>
+          <a:p>
+            <a:pPr>
+              <a:lnSpc>
+                <a:spcPct val="150000"/>
+              </a:lnSpc>
+              <a:spcAft>
+                <a:spcPts val="1200"/>
+              </a:spcAft>
+            </a:pPr>
+            <a:r>
+              <a:rPr lang="en-US" dirty="0">
+                <a:latin typeface="Arial" panose="020B0604020202020204" pitchFamily="34" charset="0"/>
+                <a:cs typeface="Arial" panose="020B0604020202020204" pitchFamily="34" charset="0"/>
+              </a:rPr>
+              <a:t>4.15 </a:t>
+            </a:r>
+            <a:r>
+              <a:rPr lang="en-US" dirty="0" err="1">
+                <a:latin typeface="Arial" panose="020B0604020202020204" pitchFamily="34" charset="0"/>
+                <a:cs typeface="Arial" panose="020B0604020202020204" pitchFamily="34" charset="0"/>
+              </a:rPr>
+              <a:t>Memodifikasi</a:t>
+            </a:r>
+            <a:r>
+              <a:rPr lang="en-US" dirty="0">
+                <a:latin typeface="Arial" panose="020B0604020202020204" pitchFamily="34" charset="0"/>
+                <a:cs typeface="Arial" panose="020B0604020202020204" pitchFamily="34" charset="0"/>
+              </a:rPr>
+              <a:t> </a:t>
+            </a:r>
+            <a:r>
+              <a:rPr lang="en-US" dirty="0" err="1">
+                <a:latin typeface="Arial" panose="020B0604020202020204" pitchFamily="34" charset="0"/>
+                <a:cs typeface="Arial" panose="020B0604020202020204" pitchFamily="34" charset="0"/>
+              </a:rPr>
+              <a:t>aplikasi</a:t>
+            </a:r>
+            <a:r>
+              <a:rPr lang="en-US" dirty="0">
+                <a:latin typeface="Arial" panose="020B0604020202020204" pitchFamily="34" charset="0"/>
+                <a:cs typeface="Arial" panose="020B0604020202020204" pitchFamily="34" charset="0"/>
+              </a:rPr>
+              <a:t> </a:t>
+            </a:r>
+            <a:r>
+              <a:rPr lang="en-US" dirty="0" err="1">
+                <a:latin typeface="Arial" panose="020B0604020202020204" pitchFamily="34" charset="0"/>
+                <a:cs typeface="Arial" panose="020B0604020202020204" pitchFamily="34" charset="0"/>
+              </a:rPr>
+              <a:t>interaktif</a:t>
+            </a:r>
+            <a:r>
+              <a:rPr lang="en-US" dirty="0">
+                <a:latin typeface="Arial" panose="020B0604020202020204" pitchFamily="34" charset="0"/>
+                <a:cs typeface="Arial" panose="020B0604020202020204" pitchFamily="34" charset="0"/>
+              </a:rPr>
+              <a:t> pada </a:t>
+            </a:r>
+            <a:r>
+              <a:rPr lang="en-US" dirty="0" err="1">
+                <a:latin typeface="Arial" panose="020B0604020202020204" pitchFamily="34" charset="0"/>
+                <a:cs typeface="Arial" panose="020B0604020202020204" pitchFamily="34" charset="0"/>
+              </a:rPr>
+              <a:t>halaman</a:t>
+            </a:r>
+            <a:r>
+              <a:rPr lang="en-US" dirty="0">
+                <a:latin typeface="Arial" panose="020B0604020202020204" pitchFamily="34" charset="0"/>
+                <a:cs typeface="Arial" panose="020B0604020202020204" pitchFamily="34" charset="0"/>
+              </a:rPr>
+              <a:t> web</a:t>
             </a:r>
             <a:endParaRPr lang="en-US" sz="1600" dirty="0">
               <a:solidFill>
@@ -3035,16 +3172,988 @@
               <a:cs typeface="Arial" panose="020B0604020202020204" pitchFamily="34" charset="0"/>
             </a:endParaRPr>
           </a:p>
-          <a:p>
-            <a:pPr marL="0" indent="0">
+        </p:txBody>
+      </p:sp>
+      <p:sp>
+        <p:nvSpPr>
+          <p:cNvPr id="4" name="TextBox 3">
+            <a:extLst>
+              <a:ext uri="{FF2B5EF4-FFF2-40B4-BE49-F238E27FC236}">
+                <a16:creationId xmlns:a16="http://schemas.microsoft.com/office/drawing/2014/main" id="{BB5D4C91-CE75-4D98-872F-70972DB5D35C}"/>
+              </a:ext>
+            </a:extLst>
+          </p:cNvPr>
+          <p:cNvSpPr txBox="1"/>
+          <p:nvPr/>
+        </p:nvSpPr>
+        <p:spPr>
+          <a:xfrm>
+            <a:off x="604434" y="1625600"/>
+            <a:ext cx="4386666" cy="369332"/>
+          </a:xfrm>
+          <a:prstGeom prst="rect">
+            <a:avLst/>
+          </a:prstGeom>
+          <a:noFill/>
+        </p:spPr>
+        <p:txBody>
+          <a:bodyPr wrap="square" rtlCol="0">
+            <a:spAutoFit/>
+          </a:bodyPr>
+          <a:lstStyle/>
+          <a:p>
+            <a:r>
+              <a:rPr lang="en-US" dirty="0"/>
+              <a:t>KOMPETENSI DASAR</a:t>
+            </a:r>
+          </a:p>
+        </p:txBody>
+      </p:sp>
+      <p:sp>
+        <p:nvSpPr>
+          <p:cNvPr id="5" name="TextBox 4">
+            <a:extLst>
+              <a:ext uri="{FF2B5EF4-FFF2-40B4-BE49-F238E27FC236}">
+                <a16:creationId xmlns:a16="http://schemas.microsoft.com/office/drawing/2014/main" id="{1E1809D5-46A1-4B48-9C55-6F2B2F6BD727}"/>
+              </a:ext>
+            </a:extLst>
+          </p:cNvPr>
+          <p:cNvSpPr txBox="1"/>
+          <p:nvPr/>
+        </p:nvSpPr>
+        <p:spPr>
+          <a:xfrm>
+            <a:off x="547870" y="4064000"/>
+            <a:ext cx="10749367" cy="1893339"/>
+          </a:xfrm>
+          <a:prstGeom prst="rect">
+            <a:avLst/>
+          </a:prstGeom>
+          <a:noFill/>
+        </p:spPr>
+        <p:txBody>
+          <a:bodyPr wrap="square" rtlCol="0">
+            <a:spAutoFit/>
+          </a:bodyPr>
+          <a:lstStyle/>
+          <a:p>
+            <a:pPr>
               <a:lnSpc>
                 <a:spcPct val="150000"/>
               </a:lnSpc>
-              <a:spcAft>
-                <a:spcPts val="1200"/>
-              </a:spcAft>
-              <a:buNone/>
             </a:pPr>
+            <a:r>
+              <a:rPr lang="en-US" sz="1600" dirty="0">
+                <a:solidFill>
+                  <a:schemeClr val="tx1">
+                    <a:lumMod val="65000"/>
+                    <a:lumOff val="35000"/>
+                  </a:schemeClr>
+                </a:solidFill>
+                <a:latin typeface="Arial" panose="020B0604020202020204" pitchFamily="34" charset="0"/>
+                <a:cs typeface="Arial" panose="020B0604020202020204" pitchFamily="34" charset="0"/>
+              </a:rPr>
+              <a:t>1. </a:t>
+            </a:r>
+            <a:r>
+              <a:rPr lang="en-US" sz="1600" dirty="0" err="1">
+                <a:solidFill>
+                  <a:schemeClr val="tx1">
+                    <a:lumMod val="65000"/>
+                    <a:lumOff val="35000"/>
+                  </a:schemeClr>
+                </a:solidFill>
+                <a:latin typeface="Arial" panose="020B0604020202020204" pitchFamily="34" charset="0"/>
+                <a:cs typeface="Arial" panose="020B0604020202020204" pitchFamily="34" charset="0"/>
+              </a:rPr>
+              <a:t>Menerapkan</a:t>
+            </a:r>
+            <a:r>
+              <a:rPr lang="en-US" sz="1600" dirty="0">
+                <a:solidFill>
+                  <a:schemeClr val="tx1">
+                    <a:lumMod val="65000"/>
+                    <a:lumOff val="35000"/>
+                  </a:schemeClr>
+                </a:solidFill>
+                <a:latin typeface="Arial" panose="020B0604020202020204" pitchFamily="34" charset="0"/>
+                <a:cs typeface="Arial" panose="020B0604020202020204" pitchFamily="34" charset="0"/>
+              </a:rPr>
+              <a:t> </a:t>
+            </a:r>
+            <a:r>
+              <a:rPr lang="en-US" sz="1600" dirty="0" err="1">
+                <a:solidFill>
+                  <a:schemeClr val="tx1">
+                    <a:lumMod val="65000"/>
+                    <a:lumOff val="35000"/>
+                  </a:schemeClr>
+                </a:solidFill>
+                <a:latin typeface="Arial" panose="020B0604020202020204" pitchFamily="34" charset="0"/>
+                <a:cs typeface="Arial" panose="020B0604020202020204" pitchFamily="34" charset="0"/>
+              </a:rPr>
+              <a:t>konsep</a:t>
+            </a:r>
+            <a:r>
+              <a:rPr lang="en-US" sz="1600" dirty="0">
+                <a:solidFill>
+                  <a:schemeClr val="tx1">
+                    <a:lumMod val="65000"/>
+                    <a:lumOff val="35000"/>
+                  </a:schemeClr>
+                </a:solidFill>
+                <a:latin typeface="Arial" panose="020B0604020202020204" pitchFamily="34" charset="0"/>
+                <a:cs typeface="Arial" panose="020B0604020202020204" pitchFamily="34" charset="0"/>
+              </a:rPr>
+              <a:t> </a:t>
+            </a:r>
+            <a:r>
+              <a:rPr lang="en-US" sz="1600" dirty="0" err="1">
+                <a:solidFill>
+                  <a:schemeClr val="tx1">
+                    <a:lumMod val="65000"/>
+                    <a:lumOff val="35000"/>
+                  </a:schemeClr>
+                </a:solidFill>
+                <a:latin typeface="Arial" panose="020B0604020202020204" pitchFamily="34" charset="0"/>
+                <a:cs typeface="Arial" panose="020B0604020202020204" pitchFamily="34" charset="0"/>
+              </a:rPr>
+              <a:t>aplikasi</a:t>
+            </a:r>
+            <a:r>
+              <a:rPr lang="en-US" sz="1600" dirty="0">
+                <a:solidFill>
+                  <a:schemeClr val="tx1">
+                    <a:lumMod val="65000"/>
+                    <a:lumOff val="35000"/>
+                  </a:schemeClr>
+                </a:solidFill>
+                <a:latin typeface="Arial" panose="020B0604020202020204" pitchFamily="34" charset="0"/>
+                <a:cs typeface="Arial" panose="020B0604020202020204" pitchFamily="34" charset="0"/>
+              </a:rPr>
+              <a:t> </a:t>
+            </a:r>
+            <a:r>
+              <a:rPr lang="en-US" sz="1600" dirty="0" err="1">
+                <a:solidFill>
+                  <a:schemeClr val="tx1">
+                    <a:lumMod val="65000"/>
+                    <a:lumOff val="35000"/>
+                  </a:schemeClr>
+                </a:solidFill>
+                <a:latin typeface="Arial" panose="020B0604020202020204" pitchFamily="34" charset="0"/>
+                <a:cs typeface="Arial" panose="020B0604020202020204" pitchFamily="34" charset="0"/>
+              </a:rPr>
+              <a:t>interaktif</a:t>
+            </a:r>
+            <a:r>
+              <a:rPr lang="en-US" sz="1600" dirty="0">
+                <a:solidFill>
+                  <a:schemeClr val="tx1">
+                    <a:lumMod val="65000"/>
+                    <a:lumOff val="35000"/>
+                  </a:schemeClr>
+                </a:solidFill>
+                <a:latin typeface="Arial" panose="020B0604020202020204" pitchFamily="34" charset="0"/>
+                <a:cs typeface="Arial" panose="020B0604020202020204" pitchFamily="34" charset="0"/>
+              </a:rPr>
+              <a:t> </a:t>
+            </a:r>
+            <a:r>
+              <a:rPr lang="en-US" sz="1600" dirty="0" err="1">
+                <a:solidFill>
+                  <a:schemeClr val="tx1">
+                    <a:lumMod val="65000"/>
+                    <a:lumOff val="35000"/>
+                  </a:schemeClr>
+                </a:solidFill>
+                <a:latin typeface="Arial" panose="020B0604020202020204" pitchFamily="34" charset="0"/>
+                <a:cs typeface="Arial" panose="020B0604020202020204" pitchFamily="34" charset="0"/>
+              </a:rPr>
+              <a:t>dalam</a:t>
+            </a:r>
+            <a:r>
+              <a:rPr lang="en-US" sz="1600" dirty="0">
+                <a:solidFill>
+                  <a:schemeClr val="tx1">
+                    <a:lumMod val="65000"/>
+                    <a:lumOff val="35000"/>
+                  </a:schemeClr>
+                </a:solidFill>
+                <a:latin typeface="Arial" panose="020B0604020202020204" pitchFamily="34" charset="0"/>
+                <a:cs typeface="Arial" panose="020B0604020202020204" pitchFamily="34" charset="0"/>
+              </a:rPr>
+              <a:t> </a:t>
+            </a:r>
+            <a:r>
+              <a:rPr lang="en-US" sz="1600" dirty="0" err="1">
+                <a:solidFill>
+                  <a:schemeClr val="tx1">
+                    <a:lumMod val="65000"/>
+                    <a:lumOff val="35000"/>
+                  </a:schemeClr>
+                </a:solidFill>
+                <a:latin typeface="Arial" panose="020B0604020202020204" pitchFamily="34" charset="0"/>
+                <a:cs typeface="Arial" panose="020B0604020202020204" pitchFamily="34" charset="0"/>
+              </a:rPr>
+              <a:t>pemrograman</a:t>
+            </a:r>
+            <a:r>
+              <a:rPr lang="en-US" sz="1600" dirty="0">
+                <a:solidFill>
+                  <a:schemeClr val="tx1">
+                    <a:lumMod val="65000"/>
+                    <a:lumOff val="35000"/>
+                  </a:schemeClr>
+                </a:solidFill>
+                <a:latin typeface="Arial" panose="020B0604020202020204" pitchFamily="34" charset="0"/>
+                <a:cs typeface="Arial" panose="020B0604020202020204" pitchFamily="34" charset="0"/>
+              </a:rPr>
+              <a:t> </a:t>
+            </a:r>
+            <a:r>
+              <a:rPr lang="en-US" sz="1600" dirty="0" err="1">
+                <a:solidFill>
+                  <a:schemeClr val="tx1">
+                    <a:lumMod val="65000"/>
+                    <a:lumOff val="35000"/>
+                  </a:schemeClr>
+                </a:solidFill>
+                <a:latin typeface="Arial" panose="020B0604020202020204" pitchFamily="34" charset="0"/>
+                <a:cs typeface="Arial" panose="020B0604020202020204" pitchFamily="34" charset="0"/>
+              </a:rPr>
+              <a:t>aplikasi</a:t>
+            </a:r>
+            <a:r>
+              <a:rPr lang="en-US" sz="1600" dirty="0">
+                <a:solidFill>
+                  <a:schemeClr val="tx1">
+                    <a:lumMod val="65000"/>
+                    <a:lumOff val="35000"/>
+                  </a:schemeClr>
+                </a:solidFill>
+                <a:latin typeface="Arial" panose="020B0604020202020204" pitchFamily="34" charset="0"/>
+                <a:cs typeface="Arial" panose="020B0604020202020204" pitchFamily="34" charset="0"/>
+              </a:rPr>
+              <a:t> web.</a:t>
+            </a:r>
+          </a:p>
+          <a:p>
+            <a:pPr>
+              <a:lnSpc>
+                <a:spcPct val="150000"/>
+              </a:lnSpc>
+            </a:pPr>
+            <a:r>
+              <a:rPr lang="en-US" sz="1600" dirty="0">
+                <a:solidFill>
+                  <a:schemeClr val="tx1">
+                    <a:lumMod val="65000"/>
+                    <a:lumOff val="35000"/>
+                  </a:schemeClr>
+                </a:solidFill>
+                <a:latin typeface="Arial" panose="020B0604020202020204" pitchFamily="34" charset="0"/>
+                <a:cs typeface="Arial" panose="020B0604020202020204" pitchFamily="34" charset="0"/>
+              </a:rPr>
+              <a:t>2. </a:t>
+            </a:r>
+            <a:r>
+              <a:rPr lang="en-US" sz="1600" dirty="0" err="1">
+                <a:solidFill>
+                  <a:schemeClr val="tx1">
+                    <a:lumMod val="65000"/>
+                    <a:lumOff val="35000"/>
+                  </a:schemeClr>
+                </a:solidFill>
+                <a:latin typeface="Arial" panose="020B0604020202020204" pitchFamily="34" charset="0"/>
+                <a:cs typeface="Arial" panose="020B0604020202020204" pitchFamily="34" charset="0"/>
+              </a:rPr>
+              <a:t>Menentukan</a:t>
+            </a:r>
+            <a:r>
+              <a:rPr lang="en-US" sz="1600" dirty="0">
+                <a:solidFill>
+                  <a:schemeClr val="tx1">
+                    <a:lumMod val="65000"/>
+                    <a:lumOff val="35000"/>
+                  </a:schemeClr>
+                </a:solidFill>
+                <a:latin typeface="Arial" panose="020B0604020202020204" pitchFamily="34" charset="0"/>
+                <a:cs typeface="Arial" panose="020B0604020202020204" pitchFamily="34" charset="0"/>
+              </a:rPr>
+              <a:t> </a:t>
+            </a:r>
+            <a:r>
+              <a:rPr lang="en-US" sz="1600" dirty="0" err="1">
+                <a:solidFill>
+                  <a:schemeClr val="tx1">
+                    <a:lumMod val="65000"/>
+                    <a:lumOff val="35000"/>
+                  </a:schemeClr>
+                </a:solidFill>
+                <a:latin typeface="Arial" panose="020B0604020202020204" pitchFamily="34" charset="0"/>
+                <a:cs typeface="Arial" panose="020B0604020202020204" pitchFamily="34" charset="0"/>
+              </a:rPr>
+              <a:t>prosedur</a:t>
+            </a:r>
+            <a:r>
+              <a:rPr lang="en-US" sz="1600" dirty="0">
+                <a:solidFill>
+                  <a:schemeClr val="tx1">
+                    <a:lumMod val="65000"/>
+                    <a:lumOff val="35000"/>
+                  </a:schemeClr>
+                </a:solidFill>
+                <a:latin typeface="Arial" panose="020B0604020202020204" pitchFamily="34" charset="0"/>
+                <a:cs typeface="Arial" panose="020B0604020202020204" pitchFamily="34" charset="0"/>
+              </a:rPr>
+              <a:t> </a:t>
+            </a:r>
+            <a:r>
+              <a:rPr lang="en-US" sz="1600" dirty="0" err="1">
+                <a:solidFill>
+                  <a:schemeClr val="tx1">
+                    <a:lumMod val="65000"/>
+                    <a:lumOff val="35000"/>
+                  </a:schemeClr>
+                </a:solidFill>
+                <a:latin typeface="Arial" panose="020B0604020202020204" pitchFamily="34" charset="0"/>
+                <a:cs typeface="Arial" panose="020B0604020202020204" pitchFamily="34" charset="0"/>
+              </a:rPr>
+              <a:t>aplikasi</a:t>
+            </a:r>
+            <a:r>
+              <a:rPr lang="en-US" sz="1600" dirty="0">
+                <a:solidFill>
+                  <a:schemeClr val="tx1">
+                    <a:lumMod val="65000"/>
+                    <a:lumOff val="35000"/>
+                  </a:schemeClr>
+                </a:solidFill>
+                <a:latin typeface="Arial" panose="020B0604020202020204" pitchFamily="34" charset="0"/>
+                <a:cs typeface="Arial" panose="020B0604020202020204" pitchFamily="34" charset="0"/>
+              </a:rPr>
+              <a:t> </a:t>
+            </a:r>
+            <a:r>
+              <a:rPr lang="en-US" sz="1600" dirty="0" err="1">
+                <a:solidFill>
+                  <a:schemeClr val="tx1">
+                    <a:lumMod val="65000"/>
+                    <a:lumOff val="35000"/>
+                  </a:schemeClr>
+                </a:solidFill>
+                <a:latin typeface="Arial" panose="020B0604020202020204" pitchFamily="34" charset="0"/>
+                <a:cs typeface="Arial" panose="020B0604020202020204" pitchFamily="34" charset="0"/>
+              </a:rPr>
+              <a:t>interaktif</a:t>
+            </a:r>
+            <a:r>
+              <a:rPr lang="en-US" sz="1600" dirty="0">
+                <a:solidFill>
+                  <a:schemeClr val="tx1">
+                    <a:lumMod val="65000"/>
+                    <a:lumOff val="35000"/>
+                  </a:schemeClr>
+                </a:solidFill>
+                <a:latin typeface="Arial" panose="020B0604020202020204" pitchFamily="34" charset="0"/>
+                <a:cs typeface="Arial" panose="020B0604020202020204" pitchFamily="34" charset="0"/>
+              </a:rPr>
+              <a:t> </a:t>
+            </a:r>
+            <a:r>
+              <a:rPr lang="en-US" sz="1600" dirty="0" err="1">
+                <a:solidFill>
+                  <a:schemeClr val="tx1">
+                    <a:lumMod val="65000"/>
+                    <a:lumOff val="35000"/>
+                  </a:schemeClr>
+                </a:solidFill>
+                <a:latin typeface="Arial" panose="020B0604020202020204" pitchFamily="34" charset="0"/>
+                <a:cs typeface="Arial" panose="020B0604020202020204" pitchFamily="34" charset="0"/>
+              </a:rPr>
+              <a:t>dalam</a:t>
+            </a:r>
+            <a:r>
+              <a:rPr lang="en-US" sz="1600" dirty="0">
+                <a:solidFill>
+                  <a:schemeClr val="tx1">
+                    <a:lumMod val="65000"/>
+                    <a:lumOff val="35000"/>
+                  </a:schemeClr>
+                </a:solidFill>
+                <a:latin typeface="Arial" panose="020B0604020202020204" pitchFamily="34" charset="0"/>
+                <a:cs typeface="Arial" panose="020B0604020202020204" pitchFamily="34" charset="0"/>
+              </a:rPr>
+              <a:t> </a:t>
+            </a:r>
+            <a:r>
+              <a:rPr lang="en-US" sz="1600" dirty="0" err="1">
+                <a:solidFill>
+                  <a:schemeClr val="tx1">
+                    <a:lumMod val="65000"/>
+                    <a:lumOff val="35000"/>
+                  </a:schemeClr>
+                </a:solidFill>
+                <a:latin typeface="Arial" panose="020B0604020202020204" pitchFamily="34" charset="0"/>
+                <a:cs typeface="Arial" panose="020B0604020202020204" pitchFamily="34" charset="0"/>
+              </a:rPr>
+              <a:t>pemrograman</a:t>
+            </a:r>
+            <a:r>
+              <a:rPr lang="en-US" sz="1600" dirty="0">
+                <a:solidFill>
+                  <a:schemeClr val="tx1">
+                    <a:lumMod val="65000"/>
+                    <a:lumOff val="35000"/>
+                  </a:schemeClr>
+                </a:solidFill>
+                <a:latin typeface="Arial" panose="020B0604020202020204" pitchFamily="34" charset="0"/>
+                <a:cs typeface="Arial" panose="020B0604020202020204" pitchFamily="34" charset="0"/>
+              </a:rPr>
+              <a:t> </a:t>
+            </a:r>
+            <a:r>
+              <a:rPr lang="en-US" sz="1600" dirty="0" err="1">
+                <a:solidFill>
+                  <a:schemeClr val="tx1">
+                    <a:lumMod val="65000"/>
+                    <a:lumOff val="35000"/>
+                  </a:schemeClr>
+                </a:solidFill>
+                <a:latin typeface="Arial" panose="020B0604020202020204" pitchFamily="34" charset="0"/>
+                <a:cs typeface="Arial" panose="020B0604020202020204" pitchFamily="34" charset="0"/>
+              </a:rPr>
+              <a:t>aplikasi</a:t>
+            </a:r>
+            <a:r>
+              <a:rPr lang="en-US" sz="1600" dirty="0">
+                <a:solidFill>
+                  <a:schemeClr val="tx1">
+                    <a:lumMod val="65000"/>
+                    <a:lumOff val="35000"/>
+                  </a:schemeClr>
+                </a:solidFill>
+                <a:latin typeface="Arial" panose="020B0604020202020204" pitchFamily="34" charset="0"/>
+                <a:cs typeface="Arial" panose="020B0604020202020204" pitchFamily="34" charset="0"/>
+              </a:rPr>
+              <a:t> web.</a:t>
+            </a:r>
+          </a:p>
+          <a:p>
+            <a:pPr>
+              <a:lnSpc>
+                <a:spcPct val="150000"/>
+              </a:lnSpc>
+            </a:pPr>
+            <a:r>
+              <a:rPr lang="en-US" sz="1600" dirty="0">
+                <a:solidFill>
+                  <a:schemeClr val="tx1">
+                    <a:lumMod val="65000"/>
+                    <a:lumOff val="35000"/>
+                  </a:schemeClr>
+                </a:solidFill>
+                <a:latin typeface="Arial" panose="020B0604020202020204" pitchFamily="34" charset="0"/>
+                <a:cs typeface="Arial" panose="020B0604020202020204" pitchFamily="34" charset="0"/>
+              </a:rPr>
+              <a:t>3. </a:t>
+            </a:r>
+            <a:r>
+              <a:rPr lang="en-US" sz="1600" dirty="0" err="1">
+                <a:solidFill>
+                  <a:schemeClr val="tx1">
+                    <a:lumMod val="65000"/>
+                    <a:lumOff val="35000"/>
+                  </a:schemeClr>
+                </a:solidFill>
+                <a:latin typeface="Arial" panose="020B0604020202020204" pitchFamily="34" charset="0"/>
+                <a:cs typeface="Arial" panose="020B0604020202020204" pitchFamily="34" charset="0"/>
+              </a:rPr>
+              <a:t>Merancang</a:t>
+            </a:r>
+            <a:r>
+              <a:rPr lang="en-US" sz="1600" dirty="0">
+                <a:solidFill>
+                  <a:schemeClr val="tx1">
+                    <a:lumMod val="65000"/>
+                    <a:lumOff val="35000"/>
+                  </a:schemeClr>
+                </a:solidFill>
+                <a:latin typeface="Arial" panose="020B0604020202020204" pitchFamily="34" charset="0"/>
+                <a:cs typeface="Arial" panose="020B0604020202020204" pitchFamily="34" charset="0"/>
+              </a:rPr>
+              <a:t> program </a:t>
+            </a:r>
+            <a:r>
+              <a:rPr lang="en-US" sz="1600" dirty="0" err="1">
+                <a:solidFill>
+                  <a:schemeClr val="tx1">
+                    <a:lumMod val="65000"/>
+                    <a:lumOff val="35000"/>
+                  </a:schemeClr>
+                </a:solidFill>
+                <a:latin typeface="Arial" panose="020B0604020202020204" pitchFamily="34" charset="0"/>
+                <a:cs typeface="Arial" panose="020B0604020202020204" pitchFamily="34" charset="0"/>
+              </a:rPr>
+              <a:t>aplikasi</a:t>
+            </a:r>
+            <a:r>
+              <a:rPr lang="en-US" sz="1600" dirty="0">
+                <a:solidFill>
+                  <a:schemeClr val="tx1">
+                    <a:lumMod val="65000"/>
+                    <a:lumOff val="35000"/>
+                  </a:schemeClr>
+                </a:solidFill>
+                <a:latin typeface="Arial" panose="020B0604020202020204" pitchFamily="34" charset="0"/>
+                <a:cs typeface="Arial" panose="020B0604020202020204" pitchFamily="34" charset="0"/>
+              </a:rPr>
+              <a:t> </a:t>
+            </a:r>
+            <a:r>
+              <a:rPr lang="en-US" sz="1600" dirty="0" err="1">
+                <a:solidFill>
+                  <a:schemeClr val="tx1">
+                    <a:lumMod val="65000"/>
+                    <a:lumOff val="35000"/>
+                  </a:schemeClr>
+                </a:solidFill>
+                <a:latin typeface="Arial" panose="020B0604020202020204" pitchFamily="34" charset="0"/>
+                <a:cs typeface="Arial" panose="020B0604020202020204" pitchFamily="34" charset="0"/>
+              </a:rPr>
+              <a:t>interaktif</a:t>
+            </a:r>
+            <a:r>
+              <a:rPr lang="en-US" sz="1600" dirty="0">
+                <a:solidFill>
+                  <a:schemeClr val="tx1">
+                    <a:lumMod val="65000"/>
+                    <a:lumOff val="35000"/>
+                  </a:schemeClr>
+                </a:solidFill>
+                <a:latin typeface="Arial" panose="020B0604020202020204" pitchFamily="34" charset="0"/>
+                <a:cs typeface="Arial" panose="020B0604020202020204" pitchFamily="34" charset="0"/>
+              </a:rPr>
+              <a:t> </a:t>
+            </a:r>
+            <a:r>
+              <a:rPr lang="en-US" sz="1600" dirty="0" err="1">
+                <a:solidFill>
+                  <a:schemeClr val="tx1">
+                    <a:lumMod val="65000"/>
+                    <a:lumOff val="35000"/>
+                  </a:schemeClr>
+                </a:solidFill>
+                <a:latin typeface="Arial" panose="020B0604020202020204" pitchFamily="34" charset="0"/>
+                <a:cs typeface="Arial" panose="020B0604020202020204" pitchFamily="34" charset="0"/>
+              </a:rPr>
+              <a:t>dalam</a:t>
+            </a:r>
+            <a:r>
+              <a:rPr lang="en-US" sz="1600" dirty="0">
+                <a:solidFill>
+                  <a:schemeClr val="tx1">
+                    <a:lumMod val="65000"/>
+                    <a:lumOff val="35000"/>
+                  </a:schemeClr>
+                </a:solidFill>
+                <a:latin typeface="Arial" panose="020B0604020202020204" pitchFamily="34" charset="0"/>
+                <a:cs typeface="Arial" panose="020B0604020202020204" pitchFamily="34" charset="0"/>
+              </a:rPr>
+              <a:t> </a:t>
+            </a:r>
+            <a:r>
+              <a:rPr lang="en-US" sz="1600" dirty="0" err="1">
+                <a:solidFill>
+                  <a:schemeClr val="tx1">
+                    <a:lumMod val="65000"/>
+                    <a:lumOff val="35000"/>
+                  </a:schemeClr>
+                </a:solidFill>
+                <a:latin typeface="Arial" panose="020B0604020202020204" pitchFamily="34" charset="0"/>
+                <a:cs typeface="Arial" panose="020B0604020202020204" pitchFamily="34" charset="0"/>
+              </a:rPr>
+              <a:t>halaman</a:t>
+            </a:r>
+            <a:r>
+              <a:rPr lang="en-US" sz="1600" dirty="0">
+                <a:solidFill>
+                  <a:schemeClr val="tx1">
+                    <a:lumMod val="65000"/>
+                    <a:lumOff val="35000"/>
+                  </a:schemeClr>
+                </a:solidFill>
+                <a:latin typeface="Arial" panose="020B0604020202020204" pitchFamily="34" charset="0"/>
+                <a:cs typeface="Arial" panose="020B0604020202020204" pitchFamily="34" charset="0"/>
+              </a:rPr>
+              <a:t> web.</a:t>
+            </a:r>
+          </a:p>
+          <a:p>
+            <a:pPr>
+              <a:lnSpc>
+                <a:spcPct val="150000"/>
+              </a:lnSpc>
+            </a:pPr>
+            <a:r>
+              <a:rPr lang="en-US" sz="1600" dirty="0">
+                <a:solidFill>
+                  <a:schemeClr val="tx1">
+                    <a:lumMod val="65000"/>
+                    <a:lumOff val="35000"/>
+                  </a:schemeClr>
+                </a:solidFill>
+                <a:latin typeface="Arial" panose="020B0604020202020204" pitchFamily="34" charset="0"/>
+                <a:cs typeface="Arial" panose="020B0604020202020204" pitchFamily="34" charset="0"/>
+              </a:rPr>
+              <a:t>4. </a:t>
+            </a:r>
+            <a:r>
+              <a:rPr lang="en-US" sz="1600" dirty="0" err="1">
+                <a:solidFill>
+                  <a:schemeClr val="tx1">
+                    <a:lumMod val="65000"/>
+                    <a:lumOff val="35000"/>
+                  </a:schemeClr>
+                </a:solidFill>
+                <a:latin typeface="Arial" panose="020B0604020202020204" pitchFamily="34" charset="0"/>
+                <a:cs typeface="Arial" panose="020B0604020202020204" pitchFamily="34" charset="0"/>
+              </a:rPr>
+              <a:t>Membuat</a:t>
+            </a:r>
+            <a:r>
+              <a:rPr lang="en-US" sz="1600" dirty="0">
+                <a:solidFill>
+                  <a:schemeClr val="tx1">
+                    <a:lumMod val="65000"/>
+                    <a:lumOff val="35000"/>
+                  </a:schemeClr>
+                </a:solidFill>
+                <a:latin typeface="Arial" panose="020B0604020202020204" pitchFamily="34" charset="0"/>
+                <a:cs typeface="Arial" panose="020B0604020202020204" pitchFamily="34" charset="0"/>
+              </a:rPr>
+              <a:t> </a:t>
+            </a:r>
+            <a:r>
+              <a:rPr lang="en-US" sz="1600" dirty="0" err="1">
+                <a:solidFill>
+                  <a:schemeClr val="tx1">
+                    <a:lumMod val="65000"/>
+                    <a:lumOff val="35000"/>
+                  </a:schemeClr>
+                </a:solidFill>
+                <a:latin typeface="Arial" panose="020B0604020202020204" pitchFamily="34" charset="0"/>
+                <a:cs typeface="Arial" panose="020B0604020202020204" pitchFamily="34" charset="0"/>
+              </a:rPr>
+              <a:t>kode</a:t>
+            </a:r>
+            <a:r>
+              <a:rPr lang="en-US" sz="1600" dirty="0">
+                <a:solidFill>
+                  <a:schemeClr val="tx1">
+                    <a:lumMod val="65000"/>
+                    <a:lumOff val="35000"/>
+                  </a:schemeClr>
+                </a:solidFill>
+                <a:latin typeface="Arial" panose="020B0604020202020204" pitchFamily="34" charset="0"/>
+                <a:cs typeface="Arial" panose="020B0604020202020204" pitchFamily="34" charset="0"/>
+              </a:rPr>
+              <a:t> program </a:t>
+            </a:r>
+            <a:r>
+              <a:rPr lang="en-US" sz="1600" dirty="0" err="1">
+                <a:solidFill>
+                  <a:schemeClr val="tx1">
+                    <a:lumMod val="65000"/>
+                    <a:lumOff val="35000"/>
+                  </a:schemeClr>
+                </a:solidFill>
+                <a:latin typeface="Arial" panose="020B0604020202020204" pitchFamily="34" charset="0"/>
+                <a:cs typeface="Arial" panose="020B0604020202020204" pitchFamily="34" charset="0"/>
+              </a:rPr>
+              <a:t>aplikasi</a:t>
+            </a:r>
+            <a:r>
+              <a:rPr lang="en-US" sz="1600" dirty="0">
+                <a:solidFill>
+                  <a:schemeClr val="tx1">
+                    <a:lumMod val="65000"/>
+                    <a:lumOff val="35000"/>
+                  </a:schemeClr>
+                </a:solidFill>
+                <a:latin typeface="Arial" panose="020B0604020202020204" pitchFamily="34" charset="0"/>
+                <a:cs typeface="Arial" panose="020B0604020202020204" pitchFamily="34" charset="0"/>
+              </a:rPr>
+              <a:t> </a:t>
+            </a:r>
+            <a:r>
+              <a:rPr lang="en-US" sz="1600" dirty="0" err="1">
+                <a:solidFill>
+                  <a:schemeClr val="tx1">
+                    <a:lumMod val="65000"/>
+                    <a:lumOff val="35000"/>
+                  </a:schemeClr>
+                </a:solidFill>
+                <a:latin typeface="Arial" panose="020B0604020202020204" pitchFamily="34" charset="0"/>
+                <a:cs typeface="Arial" panose="020B0604020202020204" pitchFamily="34" charset="0"/>
+              </a:rPr>
+              <a:t>interaktif</a:t>
+            </a:r>
+            <a:r>
+              <a:rPr lang="en-US" sz="1600" dirty="0">
+                <a:solidFill>
+                  <a:schemeClr val="tx1">
+                    <a:lumMod val="65000"/>
+                    <a:lumOff val="35000"/>
+                  </a:schemeClr>
+                </a:solidFill>
+                <a:latin typeface="Arial" panose="020B0604020202020204" pitchFamily="34" charset="0"/>
+                <a:cs typeface="Arial" panose="020B0604020202020204" pitchFamily="34" charset="0"/>
+              </a:rPr>
+              <a:t> </a:t>
+            </a:r>
+            <a:r>
+              <a:rPr lang="en-US" sz="1600" dirty="0" err="1">
+                <a:solidFill>
+                  <a:schemeClr val="tx1">
+                    <a:lumMod val="65000"/>
+                    <a:lumOff val="35000"/>
+                  </a:schemeClr>
+                </a:solidFill>
+                <a:latin typeface="Arial" panose="020B0604020202020204" pitchFamily="34" charset="0"/>
+                <a:cs typeface="Arial" panose="020B0604020202020204" pitchFamily="34" charset="0"/>
+              </a:rPr>
+              <a:t>dalam</a:t>
+            </a:r>
+            <a:r>
+              <a:rPr lang="en-US" sz="1600" dirty="0">
+                <a:solidFill>
+                  <a:schemeClr val="tx1">
+                    <a:lumMod val="65000"/>
+                    <a:lumOff val="35000"/>
+                  </a:schemeClr>
+                </a:solidFill>
+                <a:latin typeface="Arial" panose="020B0604020202020204" pitchFamily="34" charset="0"/>
+                <a:cs typeface="Arial" panose="020B0604020202020204" pitchFamily="34" charset="0"/>
+              </a:rPr>
+              <a:t> </a:t>
+            </a:r>
+            <a:r>
+              <a:rPr lang="en-US" sz="1600" dirty="0" err="1">
+                <a:solidFill>
+                  <a:schemeClr val="tx1">
+                    <a:lumMod val="65000"/>
+                    <a:lumOff val="35000"/>
+                  </a:schemeClr>
+                </a:solidFill>
+                <a:latin typeface="Arial" panose="020B0604020202020204" pitchFamily="34" charset="0"/>
+                <a:cs typeface="Arial" panose="020B0604020202020204" pitchFamily="34" charset="0"/>
+              </a:rPr>
+              <a:t>halaman</a:t>
+            </a:r>
+            <a:r>
+              <a:rPr lang="en-US" sz="1600" dirty="0">
+                <a:solidFill>
+                  <a:schemeClr val="tx1">
+                    <a:lumMod val="65000"/>
+                    <a:lumOff val="35000"/>
+                  </a:schemeClr>
+                </a:solidFill>
+                <a:latin typeface="Arial" panose="020B0604020202020204" pitchFamily="34" charset="0"/>
+                <a:cs typeface="Arial" panose="020B0604020202020204" pitchFamily="34" charset="0"/>
+              </a:rPr>
+              <a:t> web.</a:t>
+            </a:r>
+          </a:p>
+          <a:p>
+            <a:pPr>
+              <a:lnSpc>
+                <a:spcPct val="150000"/>
+              </a:lnSpc>
+            </a:pPr>
+            <a:r>
+              <a:rPr lang="en-US" sz="1600" dirty="0">
+                <a:solidFill>
+                  <a:schemeClr val="tx1">
+                    <a:lumMod val="65000"/>
+                    <a:lumOff val="35000"/>
+                  </a:schemeClr>
+                </a:solidFill>
+                <a:latin typeface="Arial" panose="020B0604020202020204" pitchFamily="34" charset="0"/>
+                <a:cs typeface="Arial" panose="020B0604020202020204" pitchFamily="34" charset="0"/>
+              </a:rPr>
+              <a:t>5. </a:t>
+            </a:r>
+            <a:r>
+              <a:rPr lang="en-US" sz="1600" dirty="0" err="1">
+                <a:solidFill>
+                  <a:schemeClr val="tx1">
+                    <a:lumMod val="65000"/>
+                    <a:lumOff val="35000"/>
+                  </a:schemeClr>
+                </a:solidFill>
+                <a:latin typeface="Arial" panose="020B0604020202020204" pitchFamily="34" charset="0"/>
+                <a:cs typeface="Arial" panose="020B0604020202020204" pitchFamily="34" charset="0"/>
+              </a:rPr>
+              <a:t>Menguji</a:t>
+            </a:r>
+            <a:r>
+              <a:rPr lang="en-US" sz="1600" dirty="0">
+                <a:solidFill>
+                  <a:schemeClr val="tx1">
+                    <a:lumMod val="65000"/>
+                    <a:lumOff val="35000"/>
+                  </a:schemeClr>
+                </a:solidFill>
+                <a:latin typeface="Arial" panose="020B0604020202020204" pitchFamily="34" charset="0"/>
+                <a:cs typeface="Arial" panose="020B0604020202020204" pitchFamily="34" charset="0"/>
+              </a:rPr>
+              <a:t> </a:t>
+            </a:r>
+            <a:r>
+              <a:rPr lang="en-US" sz="1600" dirty="0" err="1">
+                <a:solidFill>
+                  <a:schemeClr val="tx1">
+                    <a:lumMod val="65000"/>
+                    <a:lumOff val="35000"/>
+                  </a:schemeClr>
+                </a:solidFill>
+                <a:latin typeface="Arial" panose="020B0604020202020204" pitchFamily="34" charset="0"/>
+                <a:cs typeface="Arial" panose="020B0604020202020204" pitchFamily="34" charset="0"/>
+              </a:rPr>
+              <a:t>hasil</a:t>
+            </a:r>
+            <a:r>
+              <a:rPr lang="en-US" sz="1600" dirty="0">
+                <a:solidFill>
+                  <a:schemeClr val="tx1">
+                    <a:lumMod val="65000"/>
+                    <a:lumOff val="35000"/>
+                  </a:schemeClr>
+                </a:solidFill>
+                <a:latin typeface="Arial" panose="020B0604020202020204" pitchFamily="34" charset="0"/>
+                <a:cs typeface="Arial" panose="020B0604020202020204" pitchFamily="34" charset="0"/>
+              </a:rPr>
+              <a:t> </a:t>
+            </a:r>
+            <a:r>
+              <a:rPr lang="en-US" sz="1600" dirty="0" err="1">
+                <a:solidFill>
+                  <a:schemeClr val="tx1">
+                    <a:lumMod val="65000"/>
+                    <a:lumOff val="35000"/>
+                  </a:schemeClr>
+                </a:solidFill>
+                <a:latin typeface="Arial" panose="020B0604020202020204" pitchFamily="34" charset="0"/>
+                <a:cs typeface="Arial" panose="020B0604020202020204" pitchFamily="34" charset="0"/>
+              </a:rPr>
+              <a:t>tampilan</a:t>
+            </a:r>
+            <a:r>
+              <a:rPr lang="en-US" sz="1600" dirty="0">
+                <a:solidFill>
+                  <a:schemeClr val="tx1">
+                    <a:lumMod val="65000"/>
+                    <a:lumOff val="35000"/>
+                  </a:schemeClr>
+                </a:solidFill>
+                <a:latin typeface="Arial" panose="020B0604020202020204" pitchFamily="34" charset="0"/>
+                <a:cs typeface="Arial" panose="020B0604020202020204" pitchFamily="34" charset="0"/>
+              </a:rPr>
+              <a:t> </a:t>
+            </a:r>
+            <a:r>
+              <a:rPr lang="en-US" sz="1600" dirty="0" err="1">
+                <a:solidFill>
+                  <a:schemeClr val="tx1">
+                    <a:lumMod val="65000"/>
+                    <a:lumOff val="35000"/>
+                  </a:schemeClr>
+                </a:solidFill>
+                <a:latin typeface="Arial" panose="020B0604020202020204" pitchFamily="34" charset="0"/>
+                <a:cs typeface="Arial" panose="020B0604020202020204" pitchFamily="34" charset="0"/>
+              </a:rPr>
+              <a:t>aplikasi</a:t>
+            </a:r>
+            <a:r>
+              <a:rPr lang="en-US" sz="1600" dirty="0">
+                <a:solidFill>
+                  <a:schemeClr val="tx1">
+                    <a:lumMod val="65000"/>
+                    <a:lumOff val="35000"/>
+                  </a:schemeClr>
+                </a:solidFill>
+                <a:latin typeface="Arial" panose="020B0604020202020204" pitchFamily="34" charset="0"/>
+                <a:cs typeface="Arial" panose="020B0604020202020204" pitchFamily="34" charset="0"/>
+              </a:rPr>
+              <a:t> </a:t>
+            </a:r>
+            <a:r>
+              <a:rPr lang="en-US" sz="1600" dirty="0" err="1">
+                <a:solidFill>
+                  <a:schemeClr val="tx1">
+                    <a:lumMod val="65000"/>
+                    <a:lumOff val="35000"/>
+                  </a:schemeClr>
+                </a:solidFill>
+                <a:latin typeface="Arial" panose="020B0604020202020204" pitchFamily="34" charset="0"/>
+                <a:cs typeface="Arial" panose="020B0604020202020204" pitchFamily="34" charset="0"/>
+              </a:rPr>
+              <a:t>interaktif</a:t>
+            </a:r>
+            <a:r>
+              <a:rPr lang="en-US" sz="1600" dirty="0">
+                <a:solidFill>
+                  <a:schemeClr val="tx1">
+                    <a:lumMod val="65000"/>
+                    <a:lumOff val="35000"/>
+                  </a:schemeClr>
+                </a:solidFill>
+                <a:latin typeface="Arial" panose="020B0604020202020204" pitchFamily="34" charset="0"/>
+                <a:cs typeface="Arial" panose="020B0604020202020204" pitchFamily="34" charset="0"/>
+              </a:rPr>
+              <a:t> </a:t>
+            </a:r>
+            <a:r>
+              <a:rPr lang="en-US" sz="1600" dirty="0" err="1">
+                <a:solidFill>
+                  <a:schemeClr val="tx1">
+                    <a:lumMod val="65000"/>
+                    <a:lumOff val="35000"/>
+                  </a:schemeClr>
+                </a:solidFill>
+                <a:latin typeface="Arial" panose="020B0604020202020204" pitchFamily="34" charset="0"/>
+                <a:cs typeface="Arial" panose="020B0604020202020204" pitchFamily="34" charset="0"/>
+              </a:rPr>
+              <a:t>dalam</a:t>
+            </a:r>
+            <a:r>
+              <a:rPr lang="en-US" sz="1600" dirty="0">
+                <a:solidFill>
+                  <a:schemeClr val="tx1">
+                    <a:lumMod val="65000"/>
+                    <a:lumOff val="35000"/>
+                  </a:schemeClr>
+                </a:solidFill>
+                <a:latin typeface="Arial" panose="020B0604020202020204" pitchFamily="34" charset="0"/>
+                <a:cs typeface="Arial" panose="020B0604020202020204" pitchFamily="34" charset="0"/>
+              </a:rPr>
+              <a:t> </a:t>
+            </a:r>
+            <a:r>
+              <a:rPr lang="en-US" sz="1600" dirty="0" err="1">
+                <a:solidFill>
+                  <a:schemeClr val="tx1">
+                    <a:lumMod val="65000"/>
+                    <a:lumOff val="35000"/>
+                  </a:schemeClr>
+                </a:solidFill>
+                <a:latin typeface="Arial" panose="020B0604020202020204" pitchFamily="34" charset="0"/>
+                <a:cs typeface="Arial" panose="020B0604020202020204" pitchFamily="34" charset="0"/>
+              </a:rPr>
+              <a:t>halamanweb</a:t>
+            </a:r>
             <a:endParaRPr lang="en-US" sz="1600" dirty="0">
               <a:solidFill>
                 <a:schemeClr val="tx1">
@@ -3060,371 +4169,39 @@
       </p:sp>
       <p:sp>
         <p:nvSpPr>
-          <p:cNvPr id="54" name="Content Placeholder 3"/>
-          <p:cNvSpPr txBox="1">
-            <a:spLocks/>
-          </p:cNvSpPr>
+          <p:cNvPr id="8" name="TextBox 7">
+            <a:extLst>
+              <a:ext uri="{FF2B5EF4-FFF2-40B4-BE49-F238E27FC236}">
+                <a16:creationId xmlns:a16="http://schemas.microsoft.com/office/drawing/2014/main" id="{7EF4091C-324C-480B-A8A4-61D551ED9494}"/>
+              </a:ext>
+            </a:extLst>
+          </p:cNvPr>
+          <p:cNvSpPr txBox="1"/>
           <p:nvPr/>
         </p:nvSpPr>
         <p:spPr>
           <a:xfrm>
-            <a:off x="576233" y="3821376"/>
-            <a:ext cx="5606203" cy="2505682"/>
+            <a:off x="604434" y="3475008"/>
+            <a:ext cx="5491566" cy="369332"/>
           </a:xfrm>
           <a:prstGeom prst="rect">
             <a:avLst/>
           </a:prstGeom>
+          <a:noFill/>
         </p:spPr>
         <p:txBody>
-          <a:bodyPr vert="horz" lIns="91440" tIns="45720" rIns="91440" bIns="45720" rtlCol="0">
-            <a:noAutofit/>
+          <a:bodyPr wrap="square" rtlCol="0">
+            <a:spAutoFit/>
           </a:bodyPr>
-          <a:lstStyle>
-            <a:lvl1pPr marL="228600" indent="-228600" algn="l" defTabSz="914400" rtl="0" eaLnBrk="1" latinLnBrk="0" hangingPunct="1">
-              <a:lnSpc>
-                <a:spcPct val="90000"/>
-              </a:lnSpc>
-              <a:spcBef>
-                <a:spcPct val="30000"/>
-              </a:spcBef>
-              <a:buFont typeface="Arial" panose="020B0604020202020204" pitchFamily="34" charset="0"/>
-              <a:buChar char="•"/>
-              <a:defRPr sz="2800" kern="1200">
-                <a:solidFill>
-                  <a:schemeClr val="tx1"/>
-                </a:solidFill>
-                <a:latin typeface="+mn-lt"/>
-                <a:ea typeface="+mn-ea"/>
-                <a:cs typeface="+mn-cs"/>
-              </a:defRPr>
-            </a:lvl1pPr>
-            <a:lvl2pPr marL="685800" indent="-228600" algn="l" defTabSz="914400" rtl="0" eaLnBrk="1" latinLnBrk="0" hangingPunct="1">
-              <a:lnSpc>
-                <a:spcPct val="90000"/>
-              </a:lnSpc>
-              <a:spcBef>
-                <a:spcPct val="30000"/>
-              </a:spcBef>
-              <a:buFont typeface="Arial" panose="020B0604020202020204" pitchFamily="34" charset="0"/>
-              <a:buChar char="•"/>
-              <a:defRPr sz="2400" kern="1200">
-                <a:solidFill>
-                  <a:schemeClr val="tx1"/>
-                </a:solidFill>
-                <a:latin typeface="+mn-lt"/>
-                <a:ea typeface="+mn-ea"/>
-                <a:cs typeface="+mn-cs"/>
-              </a:defRPr>
-            </a:lvl2pPr>
-            <a:lvl3pPr marL="1143000" indent="-228600" algn="l" defTabSz="914400" rtl="0" eaLnBrk="1" latinLnBrk="0" hangingPunct="1">
-              <a:lnSpc>
-                <a:spcPct val="90000"/>
-              </a:lnSpc>
-              <a:spcBef>
-                <a:spcPct val="30000"/>
-              </a:spcBef>
-              <a:buFont typeface="Arial" panose="020B0604020202020204" pitchFamily="34" charset="0"/>
-              <a:buChar char="•"/>
-              <a:defRPr sz="2000" kern="1200">
-                <a:solidFill>
-                  <a:schemeClr val="tx1"/>
-                </a:solidFill>
-                <a:latin typeface="+mn-lt"/>
-                <a:ea typeface="+mn-ea"/>
-                <a:cs typeface="+mn-cs"/>
-              </a:defRPr>
-            </a:lvl3pPr>
-            <a:lvl4pPr marL="1600200" indent="-228600" algn="l" defTabSz="914400" rtl="0" eaLnBrk="1" latinLnBrk="0" hangingPunct="1">
-              <a:lnSpc>
-                <a:spcPct val="90000"/>
-              </a:lnSpc>
-              <a:spcBef>
-                <a:spcPct val="30000"/>
-              </a:spcBef>
-              <a:buFont typeface="Arial" panose="020B0604020202020204" pitchFamily="34" charset="0"/>
-              <a:buChar char="•"/>
-              <a:defRPr sz="1800" kern="1200">
-                <a:solidFill>
-                  <a:schemeClr val="tx1"/>
-                </a:solidFill>
-                <a:latin typeface="+mn-lt"/>
-                <a:ea typeface="+mn-ea"/>
-                <a:cs typeface="+mn-cs"/>
-              </a:defRPr>
-            </a:lvl4pPr>
-            <a:lvl5pPr marL="2057400" indent="-228600" algn="l" defTabSz="914400" rtl="0" eaLnBrk="1" latinLnBrk="0" hangingPunct="1">
-              <a:lnSpc>
-                <a:spcPct val="90000"/>
-              </a:lnSpc>
-              <a:spcBef>
-                <a:spcPct val="30000"/>
-              </a:spcBef>
-              <a:buFont typeface="Arial" panose="020B0604020202020204" pitchFamily="34" charset="0"/>
-              <a:buChar char="•"/>
-              <a:defRPr sz="1800" kern="1200">
-                <a:solidFill>
-                  <a:schemeClr val="tx1"/>
-                </a:solidFill>
-                <a:latin typeface="+mn-lt"/>
-                <a:ea typeface="+mn-ea"/>
-                <a:cs typeface="+mn-cs"/>
-              </a:defRPr>
-            </a:lvl5pPr>
-            <a:lvl6pPr marL="2514600" indent="-228600" algn="l" defTabSz="914400" rtl="0" eaLnBrk="1" latinLnBrk="0" hangingPunct="1">
-              <a:lnSpc>
-                <a:spcPct val="90000"/>
-              </a:lnSpc>
-              <a:spcBef>
-                <a:spcPct val="30000"/>
-              </a:spcBef>
-              <a:buFont typeface="Arial" panose="020B0604020202020204" pitchFamily="34" charset="0"/>
-              <a:buChar char="•"/>
-              <a:defRPr sz="1800" kern="1200">
-                <a:solidFill>
-                  <a:schemeClr val="tx1"/>
-                </a:solidFill>
-                <a:latin typeface="+mn-lt"/>
-                <a:ea typeface="+mn-ea"/>
-                <a:cs typeface="+mn-cs"/>
-              </a:defRPr>
-            </a:lvl6pPr>
-            <a:lvl7pPr marL="2971800" indent="-228600" algn="l" defTabSz="914400" rtl="0" eaLnBrk="1" latinLnBrk="0" hangingPunct="1">
-              <a:lnSpc>
-                <a:spcPct val="90000"/>
-              </a:lnSpc>
-              <a:spcBef>
-                <a:spcPct val="30000"/>
-              </a:spcBef>
-              <a:buFont typeface="Arial" panose="020B0604020202020204" pitchFamily="34" charset="0"/>
-              <a:buChar char="•"/>
-              <a:defRPr sz="1800" kern="1200">
-                <a:solidFill>
-                  <a:schemeClr val="tx1"/>
-                </a:solidFill>
-                <a:latin typeface="+mn-lt"/>
-                <a:ea typeface="+mn-ea"/>
-                <a:cs typeface="+mn-cs"/>
-              </a:defRPr>
-            </a:lvl7pPr>
-            <a:lvl8pPr marL="3429000" indent="-228600" algn="l" defTabSz="914400" rtl="0" eaLnBrk="1" latinLnBrk="0" hangingPunct="1">
-              <a:lnSpc>
-                <a:spcPct val="90000"/>
-              </a:lnSpc>
-              <a:spcBef>
-                <a:spcPct val="30000"/>
-              </a:spcBef>
-              <a:buFont typeface="Arial" panose="020B0604020202020204" pitchFamily="34" charset="0"/>
-              <a:buChar char="•"/>
-              <a:defRPr sz="1800" kern="1200">
-                <a:solidFill>
-                  <a:schemeClr val="tx1"/>
-                </a:solidFill>
-                <a:latin typeface="+mn-lt"/>
-                <a:ea typeface="+mn-ea"/>
-                <a:cs typeface="+mn-cs"/>
-              </a:defRPr>
-            </a:lvl8pPr>
-            <a:lvl9pPr marL="3886200" indent="-228600" algn="l" defTabSz="914400" rtl="0" eaLnBrk="1" latinLnBrk="0" hangingPunct="1">
-              <a:lnSpc>
-                <a:spcPct val="90000"/>
-              </a:lnSpc>
-              <a:spcBef>
-                <a:spcPct val="30000"/>
-              </a:spcBef>
-              <a:buFont typeface="Arial" panose="020B0604020202020204" pitchFamily="34" charset="0"/>
-              <a:buChar char="•"/>
-              <a:defRPr sz="1800" kern="1200">
-                <a:solidFill>
-                  <a:schemeClr val="tx1"/>
-                </a:solidFill>
-                <a:latin typeface="+mn-lt"/>
-                <a:ea typeface="+mn-ea"/>
-                <a:cs typeface="+mn-cs"/>
-              </a:defRPr>
-            </a:lvl9pPr>
-          </a:lstStyle>
-          <a:p>
-            <a:pPr marL="0" indent="0">
-              <a:lnSpc>
-                <a:spcPct val="150000"/>
-              </a:lnSpc>
-              <a:spcAft>
-                <a:spcPts val="1200"/>
-              </a:spcAft>
-              <a:buNone/>
-            </a:pPr>
-            <a:r>
-              <a:rPr lang="en-US" sz="1600" dirty="0">
-                <a:solidFill>
-                  <a:schemeClr val="tx1">
-                    <a:lumMod val="65000"/>
-                    <a:lumOff val="35000"/>
-                  </a:schemeClr>
-                </a:solidFill>
-                <a:latin typeface="Arial" panose="020B0604020202020204" pitchFamily="34" charset="0"/>
-                <a:cs typeface="Arial" panose="020B0604020202020204" pitchFamily="34" charset="0"/>
-              </a:rPr>
-              <a:t>If the commands currently shown aren’t quite what you need, customize the </a:t>
-            </a:r>
-            <a:r>
-              <a:rPr lang="en-US" sz="1600" b="1" dirty="0">
-                <a:solidFill>
-                  <a:schemeClr val="tx1">
-                    <a:lumMod val="65000"/>
-                    <a:lumOff val="35000"/>
-                  </a:schemeClr>
-                </a:solidFill>
-                <a:latin typeface="Arial" panose="020B0604020202020204" pitchFamily="34" charset="0"/>
-                <a:cs typeface="Arial" panose="020B0604020202020204" pitchFamily="34" charset="0"/>
-              </a:rPr>
-              <a:t>Quick Access Toolbar</a:t>
-            </a:r>
-            <a:r>
-              <a:rPr lang="en-US" sz="1600" dirty="0">
-                <a:solidFill>
-                  <a:schemeClr val="tx1">
-                    <a:lumMod val="65000"/>
-                    <a:lumOff val="35000"/>
-                  </a:schemeClr>
-                </a:solidFill>
-                <a:latin typeface="Arial" panose="020B0604020202020204" pitchFamily="34" charset="0"/>
-                <a:cs typeface="Arial" panose="020B0604020202020204" pitchFamily="34" charset="0"/>
-              </a:rPr>
-              <a:t>.</a:t>
-            </a:r>
-          </a:p>
-          <a:p>
-            <a:pPr marL="0" indent="0">
-              <a:lnSpc>
-                <a:spcPct val="150000"/>
-              </a:lnSpc>
-              <a:spcAft>
-                <a:spcPts val="1200"/>
-              </a:spcAft>
-              <a:buNone/>
-            </a:pPr>
-            <a:r>
-              <a:rPr lang="en-US" sz="1600" dirty="0">
-                <a:solidFill>
-                  <a:schemeClr val="tx1">
-                    <a:lumMod val="65000"/>
-                    <a:lumOff val="35000"/>
-                  </a:schemeClr>
-                </a:solidFill>
-                <a:latin typeface="Arial" panose="020B0604020202020204" pitchFamily="34" charset="0"/>
-                <a:cs typeface="Arial" panose="020B0604020202020204" pitchFamily="34" charset="0"/>
-              </a:rPr>
-              <a:t>Try it:</a:t>
-            </a:r>
-          </a:p>
-          <a:p>
-            <a:pPr marL="0" indent="0">
-              <a:lnSpc>
-                <a:spcPct val="150000"/>
-              </a:lnSpc>
-              <a:spcAft>
-                <a:spcPts val="1200"/>
-              </a:spcAft>
-              <a:buNone/>
-            </a:pPr>
-            <a:r>
-              <a:rPr lang="en-US" sz="1600" dirty="0">
-                <a:solidFill>
-                  <a:schemeClr val="tx1">
-                    <a:lumMod val="65000"/>
-                    <a:lumOff val="35000"/>
-                  </a:schemeClr>
-                </a:solidFill>
-                <a:latin typeface="Arial" panose="020B0604020202020204" pitchFamily="34" charset="0"/>
-                <a:cs typeface="Arial" panose="020B0604020202020204" pitchFamily="34" charset="0"/>
-              </a:rPr>
-              <a:t>Select </a:t>
-            </a:r>
-            <a:r>
-              <a:rPr lang="en-US" sz="1600" b="1" dirty="0">
-                <a:solidFill>
-                  <a:schemeClr val="tx1">
-                    <a:lumMod val="65000"/>
-                    <a:lumOff val="35000"/>
-                  </a:schemeClr>
-                </a:solidFill>
-                <a:latin typeface="Arial" panose="020B0604020202020204" pitchFamily="34" charset="0"/>
-                <a:cs typeface="Arial" panose="020B0604020202020204" pitchFamily="34" charset="0"/>
-              </a:rPr>
-              <a:t>Customize Quick Access Toolbar</a:t>
-            </a:r>
-            <a:r>
-              <a:rPr lang="en-US" sz="1600" dirty="0">
-                <a:solidFill>
-                  <a:schemeClr val="tx1">
-                    <a:lumMod val="65000"/>
-                    <a:lumOff val="35000"/>
-                  </a:schemeClr>
-                </a:solidFill>
-                <a:latin typeface="Arial" panose="020B0604020202020204" pitchFamily="34" charset="0"/>
-                <a:cs typeface="Arial" panose="020B0604020202020204" pitchFamily="34" charset="0"/>
-              </a:rPr>
-              <a:t> and select command names to add or remove them from the </a:t>
-            </a:r>
-            <a:r>
-              <a:rPr lang="en-US" sz="1600" b="1" dirty="0">
-                <a:solidFill>
-                  <a:schemeClr val="tx1">
-                    <a:lumMod val="65000"/>
-                    <a:lumOff val="35000"/>
-                  </a:schemeClr>
-                </a:solidFill>
-                <a:latin typeface="Arial" panose="020B0604020202020204" pitchFamily="34" charset="0"/>
-                <a:cs typeface="Arial" panose="020B0604020202020204" pitchFamily="34" charset="0"/>
-              </a:rPr>
-              <a:t>Quick Access Toolbar</a:t>
-            </a:r>
-            <a:r>
-              <a:rPr lang="en-US" sz="1600" dirty="0">
-                <a:solidFill>
-                  <a:schemeClr val="tx1">
-                    <a:lumMod val="65000"/>
-                    <a:lumOff val="35000"/>
-                  </a:schemeClr>
-                </a:solidFill>
-                <a:latin typeface="Arial" panose="020B0604020202020204" pitchFamily="34" charset="0"/>
-                <a:cs typeface="Arial" panose="020B0604020202020204" pitchFamily="34" charset="0"/>
-              </a:rPr>
-              <a:t>.</a:t>
+          <a:lstStyle/>
+          <a:p>
+            <a:r>
+              <a:rPr lang="en-US" dirty="0"/>
+              <a:t>INDIKATOR PENCAPAIAN KOMPETENSI</a:t>
             </a:r>
           </a:p>
         </p:txBody>
       </p:sp>
-      <p:pic>
-        <p:nvPicPr>
-          <p:cNvPr id="18" name="Picture 17" descr="Customizing Quick Access Toolbar showing default commands"/>
-          <p:cNvPicPr>
-            <a:picLocks noChangeAspect="1"/>
-          </p:cNvPicPr>
-          <p:nvPr/>
-        </p:nvPicPr>
-        <p:blipFill>
-          <a:blip r:embed="rId3">
-            <a:extLst>
-              <a:ext uri="{28A0092B-C50C-407E-A947-70E740481C1C}">
-                <a14:useLocalDpi xmlns:a14="http://schemas.microsoft.com/office/drawing/2010/main" val="0"/>
-              </a:ext>
-            </a:extLst>
-          </a:blip>
-          <a:stretch>
-            <a:fillRect/>
-          </a:stretch>
-        </p:blipFill>
-        <p:spPr>
-          <a:xfrm>
-            <a:off x="7185721" y="4026666"/>
-            <a:ext cx="4458411" cy="2493247"/>
-          </a:xfrm>
-          <a:prstGeom prst="rect">
-            <a:avLst/>
-          </a:prstGeom>
-        </p:spPr>
-      </p:pic>
     </p:spTree>
     <p:extLst>
       <p:ext uri="{BB962C8B-B14F-4D97-AF65-F5344CB8AC3E}">
@@ -3455,191 +4232,12 @@
           <a:chExt cx="0" cy="0"/>
         </a:xfrm>
       </p:grpSpPr>
-      <p:sp>
-        <p:nvSpPr>
-          <p:cNvPr id="2" name="Title 1"/>
-          <p:cNvSpPr>
-            <a:spLocks noGrp="1"/>
-          </p:cNvSpPr>
-          <p:nvPr>
-            <p:ph type="title"/>
-          </p:nvPr>
-        </p:nvSpPr>
-        <p:spPr>
-          <a:xfrm>
-            <a:off x="523752" y="0"/>
-            <a:ext cx="10749367" cy="1208868"/>
-          </a:xfrm>
-        </p:spPr>
-        <p:txBody>
-          <a:bodyPr>
-            <a:normAutofit/>
-          </a:bodyPr>
-          <a:lstStyle/>
-          <a:p>
-            <a:pPr lvl="0"/>
-            <a:r>
-              <a:rPr lang="en-US" sz="3400" dirty="0">
-                <a:latin typeface="Arial" panose="020B0604020202020204" pitchFamily="34" charset="0"/>
-                <a:cs typeface="Arial" panose="020B0604020202020204" pitchFamily="34" charset="0"/>
-              </a:rPr>
-              <a:t>Tools Yang di </a:t>
-            </a:r>
-            <a:r>
-              <a:rPr lang="en-US" sz="3400" dirty="0" err="1">
-                <a:latin typeface="Arial" panose="020B0604020202020204" pitchFamily="34" charset="0"/>
-                <a:cs typeface="Arial" panose="020B0604020202020204" pitchFamily="34" charset="0"/>
-              </a:rPr>
-              <a:t>gunakan</a:t>
-            </a:r>
-            <a:endParaRPr lang="en-US" sz="3400" dirty="0">
-              <a:latin typeface="Arial" panose="020B0604020202020204" pitchFamily="34" charset="0"/>
-              <a:cs typeface="Arial" panose="020B0604020202020204" pitchFamily="34" charset="0"/>
-            </a:endParaRPr>
-          </a:p>
-        </p:txBody>
-      </p:sp>
-      <p:sp>
-        <p:nvSpPr>
-          <p:cNvPr id="7" name="Content Placeholder 6"/>
-          <p:cNvSpPr>
-            <a:spLocks noGrp="1"/>
-          </p:cNvSpPr>
-          <p:nvPr>
-            <p:ph idx="1"/>
-          </p:nvPr>
-        </p:nvSpPr>
-        <p:spPr>
-          <a:xfrm>
-            <a:off x="649945" y="1731495"/>
-            <a:ext cx="7022443" cy="3349729"/>
-          </a:xfrm>
-        </p:spPr>
-        <p:txBody>
-          <a:bodyPr>
-            <a:normAutofit/>
-          </a:bodyPr>
-          <a:lstStyle/>
-          <a:p>
-            <a:r>
-              <a:rPr lang="en-US" dirty="0">
-                <a:latin typeface="Arial" panose="020B0604020202020204" pitchFamily="34" charset="0"/>
-                <a:cs typeface="Arial" panose="020B0604020202020204" pitchFamily="34" charset="0"/>
-              </a:rPr>
-              <a:t>Comments are organized as conversations, so you can easily discuss what's on a slide. This is a great way to quickly add your feedback.</a:t>
-            </a:r>
-          </a:p>
-          <a:p>
-            <a:r>
-              <a:rPr lang="en-US" dirty="0">
-                <a:latin typeface="Arial" panose="020B0604020202020204" pitchFamily="34" charset="0"/>
-                <a:cs typeface="Arial" panose="020B0604020202020204" pitchFamily="34" charset="0"/>
-              </a:rPr>
-              <a:t>Try it:</a:t>
-            </a:r>
-          </a:p>
-          <a:p>
-            <a:pPr marL="342900" lvl="0" indent="-342900">
-              <a:buFont typeface="+mj-lt"/>
-              <a:buAutoNum type="arabicPeriod"/>
-            </a:pPr>
-            <a:r>
-              <a:rPr lang="en-US" dirty="0">
-                <a:latin typeface="Arial" panose="020B0604020202020204" pitchFamily="34" charset="0"/>
-                <a:cs typeface="Arial" panose="020B0604020202020204" pitchFamily="34" charset="0"/>
-              </a:rPr>
-              <a:t>Select somewhere in this paragraph, and then </a:t>
-            </a:r>
-            <a:br>
-              <a:rPr lang="en-US" dirty="0">
-                <a:latin typeface="Arial" panose="020B0604020202020204" pitchFamily="34" charset="0"/>
-                <a:cs typeface="Arial" panose="020B0604020202020204" pitchFamily="34" charset="0"/>
-              </a:rPr>
-            </a:br>
-            <a:r>
-              <a:rPr lang="en-US" dirty="0">
-                <a:latin typeface="Arial" panose="020B0604020202020204" pitchFamily="34" charset="0"/>
-                <a:cs typeface="Arial" panose="020B0604020202020204" pitchFamily="34" charset="0"/>
-              </a:rPr>
-              <a:t>select the </a:t>
-            </a:r>
-            <a:r>
-              <a:rPr lang="en-US" b="1" dirty="0">
-                <a:latin typeface="Arial" panose="020B0604020202020204" pitchFamily="34" charset="0"/>
-                <a:cs typeface="Arial" panose="020B0604020202020204" pitchFamily="34" charset="0"/>
-              </a:rPr>
-              <a:t>Review</a:t>
-            </a:r>
-            <a:r>
-              <a:rPr lang="en-US" dirty="0">
-                <a:latin typeface="Arial" panose="020B0604020202020204" pitchFamily="34" charset="0"/>
-                <a:cs typeface="Arial" panose="020B0604020202020204" pitchFamily="34" charset="0"/>
-              </a:rPr>
-              <a:t> tab.</a:t>
-            </a:r>
-          </a:p>
-          <a:p>
-            <a:pPr marL="342900" indent="-342900">
-              <a:buFont typeface="+mj-lt"/>
-              <a:buAutoNum type="arabicPeriod"/>
-            </a:pPr>
-            <a:r>
-              <a:rPr lang="en-US" dirty="0">
-                <a:latin typeface="Arial" panose="020B0604020202020204" pitchFamily="34" charset="0"/>
-                <a:cs typeface="Arial" panose="020B0604020202020204" pitchFamily="34" charset="0"/>
-              </a:rPr>
-              <a:t>Select </a:t>
-            </a:r>
-            <a:r>
-              <a:rPr lang="en-US" b="1" dirty="0">
-                <a:latin typeface="Arial" panose="020B0604020202020204" pitchFamily="34" charset="0"/>
-                <a:cs typeface="Arial" panose="020B0604020202020204" pitchFamily="34" charset="0"/>
-              </a:rPr>
-              <a:t>New Comment </a:t>
-            </a:r>
-            <a:r>
-              <a:rPr lang="en-US" dirty="0">
-                <a:latin typeface="Arial" panose="020B0604020202020204" pitchFamily="34" charset="0"/>
-                <a:cs typeface="Arial" panose="020B0604020202020204" pitchFamily="34" charset="0"/>
-              </a:rPr>
-              <a:t>and type something.</a:t>
-            </a:r>
-          </a:p>
-          <a:p>
-            <a:pPr marL="342900" indent="-342900">
-              <a:buFont typeface="+mj-lt"/>
-              <a:buAutoNum type="arabicPeriod"/>
-            </a:pPr>
-            <a:r>
-              <a:rPr lang="en-US" dirty="0">
-                <a:latin typeface="Arial" panose="020B0604020202020204" pitchFamily="34" charset="0"/>
-                <a:cs typeface="Arial" panose="020B0604020202020204" pitchFamily="34" charset="0"/>
-              </a:rPr>
-              <a:t>Select </a:t>
-            </a:r>
-            <a:r>
-              <a:rPr lang="en-US" b="1" dirty="0">
-                <a:latin typeface="Arial" panose="020B0604020202020204" pitchFamily="34" charset="0"/>
-                <a:cs typeface="Arial" panose="020B0604020202020204" pitchFamily="34" charset="0"/>
-              </a:rPr>
-              <a:t>Reply</a:t>
-            </a:r>
-            <a:r>
-              <a:rPr lang="en-US" dirty="0">
-                <a:latin typeface="Arial" panose="020B0604020202020204" pitchFamily="34" charset="0"/>
-                <a:cs typeface="Arial" panose="020B0604020202020204" pitchFamily="34" charset="0"/>
-              </a:rPr>
-              <a:t>, and type something.</a:t>
-            </a:r>
-          </a:p>
-        </p:txBody>
-      </p:sp>
       <p:pic>
         <p:nvPicPr>
-          <p:cNvPr id="13" name="Picture 12" descr="A screenshot of a cell phone&#10;&#10;Description generated with very high confidence">
+          <p:cNvPr id="29" name="Picture 28">
             <a:extLst>
               <a:ext uri="{FF2B5EF4-FFF2-40B4-BE49-F238E27FC236}">
-                <a16:creationId xmlns:a16="http://schemas.microsoft.com/office/drawing/2014/main" id="{5D0C7020-70DF-403C-8E8C-383561EE3502}"/>
+                <a16:creationId xmlns:a16="http://schemas.microsoft.com/office/drawing/2014/main" id="{73A8832E-15AF-447D-973F-CE34EB2493C6}"/>
               </a:ext>
             </a:extLst>
           </p:cNvPr>
@@ -3662,379 +4260,139 @@
         </p:blipFill>
         <p:spPr>
           <a:xfrm>
-            <a:off x="6401925" y="2434930"/>
-            <a:ext cx="2704762" cy="971429"/>
+            <a:off x="4141353" y="3058332"/>
+            <a:ext cx="3055066" cy="2291300"/>
           </a:xfrm>
           <a:prstGeom prst="rect">
             <a:avLst/>
           </a:prstGeom>
         </p:spPr>
       </p:pic>
-      <p:grpSp>
-        <p:nvGrpSpPr>
-          <p:cNvPr id="12" name="Group 11">
+      <p:sp>
+        <p:nvSpPr>
+          <p:cNvPr id="2" name="Title 1"/>
+          <p:cNvSpPr>
+            <a:spLocks noGrp="1"/>
+          </p:cNvSpPr>
+          <p:nvPr>
+            <p:ph type="title"/>
+          </p:nvPr>
+        </p:nvSpPr>
+        <p:spPr>
+          <a:xfrm>
+            <a:off x="523752" y="0"/>
+            <a:ext cx="10749367" cy="1208868"/>
+          </a:xfrm>
+        </p:spPr>
+        <p:txBody>
+          <a:bodyPr>
+            <a:normAutofit/>
+          </a:bodyPr>
+          <a:lstStyle/>
+          <a:p>
+            <a:pPr lvl="0"/>
+            <a:r>
+              <a:rPr lang="en-US" sz="3400" dirty="0">
+                <a:latin typeface="Arial" panose="020B0604020202020204" pitchFamily="34" charset="0"/>
+                <a:cs typeface="Arial" panose="020B0604020202020204" pitchFamily="34" charset="0"/>
+              </a:rPr>
+              <a:t>Tools Yang di </a:t>
+            </a:r>
+            <a:r>
+              <a:rPr lang="en-US" sz="3400" dirty="0" err="1">
+                <a:latin typeface="Arial" panose="020B0604020202020204" pitchFamily="34" charset="0"/>
+                <a:cs typeface="Arial" panose="020B0604020202020204" pitchFamily="34" charset="0"/>
+              </a:rPr>
+              <a:t>gunakan</a:t>
+            </a:r>
+            <a:endParaRPr lang="en-US" sz="3400" dirty="0">
+              <a:latin typeface="Arial" panose="020B0604020202020204" pitchFamily="34" charset="0"/>
+              <a:cs typeface="Arial" panose="020B0604020202020204" pitchFamily="34" charset="0"/>
+            </a:endParaRPr>
+          </a:p>
+        </p:txBody>
+      </p:sp>
+      <p:pic>
+        <p:nvPicPr>
+          <p:cNvPr id="20" name="Picture 19">
             <a:extLst>
               <a:ext uri="{FF2B5EF4-FFF2-40B4-BE49-F238E27FC236}">
-                <a16:creationId xmlns:a16="http://schemas.microsoft.com/office/drawing/2014/main" id="{112FCF1B-A886-4E39-85B1-F73360C0D1A0}"/>
-              </a:ext>
-              <a:ext uri="{C183D7F6-B498-43B3-948B-1728B52AA6E4}">
-                <adec:decorative xmlns:adec="http://schemas.microsoft.com/office/drawing/2017/decorative" val="1"/>
+                <a16:creationId xmlns:a16="http://schemas.microsoft.com/office/drawing/2014/main" id="{1A0D3189-B82F-4981-9780-B43C0EEBE16E}"/>
               </a:ext>
             </a:extLst>
           </p:cNvPr>
-          <p:cNvGrpSpPr/>
+          <p:cNvPicPr>
+            <a:picLocks noChangeAspect="1"/>
+          </p:cNvPicPr>
           <p:nvPr/>
-        </p:nvGrpSpPr>
-        <p:grpSpPr>
-          <a:xfrm>
-            <a:off x="6565762" y="3647901"/>
-            <a:ext cx="2540925" cy="2055765"/>
-            <a:chOff x="6565762" y="3647901"/>
-            <a:chExt cx="2540925" cy="2055765"/>
-          </a:xfrm>
-        </p:grpSpPr>
-        <p:pic>
-          <p:nvPicPr>
-            <p:cNvPr id="10" name="Picture 9" descr="Comment pane showing a comment and a reply"/>
-            <p:cNvPicPr>
-              <a:picLocks noChangeAspect="1"/>
-            </p:cNvPicPr>
-            <p:nvPr/>
-          </p:nvPicPr>
-          <p:blipFill>
-            <a:blip r:embed="rId4">
-              <a:extLst>
-                <a:ext uri="{28A0092B-C50C-407E-A947-70E740481C1C}">
-                  <a14:useLocalDpi xmlns:a14="http://schemas.microsoft.com/office/drawing/2010/main" val="0"/>
-                </a:ext>
-              </a:extLst>
-            </a:blip>
-            <a:stretch>
-              <a:fillRect/>
-            </a:stretch>
-          </p:blipFill>
-          <p:spPr>
-            <a:xfrm>
-              <a:off x="6565762" y="3647901"/>
-              <a:ext cx="2540925" cy="2055765"/>
-            </a:xfrm>
-            <a:prstGeom prst="rect">
-              <a:avLst/>
-            </a:prstGeom>
-          </p:spPr>
-        </p:pic>
-        <p:pic>
-          <p:nvPicPr>
-            <p:cNvPr id="8" name="Picture 7" descr="A close up of a logo&#10;&#10;Description generated with very high confidence">
-              <a:extLst>
-                <a:ext uri="{FF2B5EF4-FFF2-40B4-BE49-F238E27FC236}">
-                  <a16:creationId xmlns:a16="http://schemas.microsoft.com/office/drawing/2014/main" id="{C01038F9-BEB1-45B3-A9AD-6CC0B109ED9C}"/>
-                </a:ext>
-              </a:extLst>
-            </p:cNvPr>
-            <p:cNvPicPr>
-              <a:picLocks noChangeAspect="1"/>
-            </p:cNvPicPr>
-            <p:nvPr/>
-          </p:nvPicPr>
-          <p:blipFill>
-            <a:blip r:embed="rId5">
-              <a:extLst>
-                <a:ext uri="{28A0092B-C50C-407E-A947-70E740481C1C}">
-                  <a14:useLocalDpi xmlns:a14="http://schemas.microsoft.com/office/drawing/2010/main" val="0"/>
-                </a:ext>
-              </a:extLst>
-            </a:blip>
-            <a:stretch>
-              <a:fillRect/>
-            </a:stretch>
-          </p:blipFill>
-          <p:spPr>
-            <a:xfrm>
-              <a:off x="6681941" y="3976461"/>
-              <a:ext cx="2309659" cy="229328"/>
-            </a:xfrm>
-            <a:prstGeom prst="rect">
-              <a:avLst/>
-            </a:prstGeom>
-          </p:spPr>
-        </p:pic>
-      </p:grpSp>
-      <p:sp>
-        <p:nvSpPr>
-          <p:cNvPr id="11" name="Content Placeholder 7"/>
-          <p:cNvSpPr txBox="1">
-            <a:spLocks/>
-          </p:cNvSpPr>
-          <p:nvPr/>
-        </p:nvSpPr>
+        </p:nvPicPr>
+        <p:blipFill>
+          <a:blip r:embed="rId4">
+            <a:extLst>
+              <a:ext uri="{28A0092B-C50C-407E-A947-70E740481C1C}">
+                <a14:useLocalDpi xmlns:a14="http://schemas.microsoft.com/office/drawing/2010/main" val="0"/>
+              </a:ext>
+            </a:extLst>
+          </a:blip>
+          <a:stretch>
+            <a:fillRect/>
+          </a:stretch>
+        </p:blipFill>
         <p:spPr>
           <a:xfrm>
-            <a:off x="649945" y="5259007"/>
-            <a:ext cx="10393975" cy="889317"/>
+            <a:off x="344727" y="1715261"/>
+            <a:ext cx="4112974" cy="1713739"/>
           </a:xfrm>
           <a:prstGeom prst="rect">
             <a:avLst/>
           </a:prstGeom>
         </p:spPr>
-        <p:txBody>
-          <a:bodyPr vert="horz" lIns="0" tIns="0" rIns="0" bIns="0" rtlCol="0">
-            <a:normAutofit/>
-          </a:bodyPr>
-          <a:lstStyle>
-            <a:lvl1pPr marL="0" indent="0" algn="l" defTabSz="914400" rtl="0" eaLnBrk="1" latinLnBrk="0" hangingPunct="1">
-              <a:lnSpc>
-                <a:spcPct val="130000"/>
-              </a:lnSpc>
-              <a:spcBef>
-                <a:spcPts val="500"/>
-              </a:spcBef>
-              <a:spcAft>
-                <a:spcPts val="1000"/>
-              </a:spcAft>
-              <a:buFont typeface="Arial" panose="020B0604020202020204" pitchFamily="34" charset="0"/>
-              <a:buNone/>
-              <a:defRPr sz="1600" kern="1200" baseline="0">
-                <a:solidFill>
-                  <a:schemeClr val="tx1">
-                    <a:lumMod val="65000"/>
-                    <a:lumOff val="35000"/>
-                  </a:schemeClr>
-                </a:solidFill>
-                <a:latin typeface="+mn-lt"/>
-                <a:ea typeface="+mn-ea"/>
-                <a:cs typeface="+mn-cs"/>
-              </a:defRPr>
-            </a:lvl1pPr>
-            <a:lvl2pPr marL="685800" indent="-228600" algn="l" defTabSz="914400" rtl="0" eaLnBrk="1" latinLnBrk="0" hangingPunct="1">
-              <a:lnSpc>
-                <a:spcPct val="130000"/>
-              </a:lnSpc>
-              <a:spcBef>
-                <a:spcPts val="500"/>
-              </a:spcBef>
-              <a:spcAft>
-                <a:spcPts val="1000"/>
-              </a:spcAft>
-              <a:buFont typeface="Arial" panose="020B0604020202020204" pitchFamily="34" charset="0"/>
-              <a:buChar char="•"/>
-              <a:defRPr sz="1400" kern="1200" baseline="0">
-                <a:solidFill>
-                  <a:schemeClr val="tx1">
-                    <a:lumMod val="65000"/>
-                    <a:lumOff val="35000"/>
-                  </a:schemeClr>
-                </a:solidFill>
-                <a:latin typeface="+mn-lt"/>
-                <a:ea typeface="+mn-ea"/>
-                <a:cs typeface="+mn-cs"/>
-              </a:defRPr>
-            </a:lvl2pPr>
-            <a:lvl3pPr marL="1143000" indent="-228600" algn="l" defTabSz="914400" rtl="0" eaLnBrk="1" latinLnBrk="0" hangingPunct="1">
-              <a:lnSpc>
-                <a:spcPct val="130000"/>
-              </a:lnSpc>
-              <a:spcBef>
-                <a:spcPct val="30000"/>
-              </a:spcBef>
-              <a:spcAft>
-                <a:spcPts val="1000"/>
-              </a:spcAft>
-              <a:buFont typeface="Arial" panose="020B0604020202020204" pitchFamily="34" charset="0"/>
-              <a:buChar char="•"/>
-              <a:defRPr sz="1200" kern="1200" baseline="0">
-                <a:solidFill>
-                  <a:schemeClr val="tx1">
-                    <a:lumMod val="65000"/>
-                    <a:lumOff val="35000"/>
-                  </a:schemeClr>
-                </a:solidFill>
-                <a:latin typeface="+mn-lt"/>
-                <a:ea typeface="+mn-ea"/>
-                <a:cs typeface="+mn-cs"/>
-              </a:defRPr>
-            </a:lvl3pPr>
-            <a:lvl4pPr marL="1600200" indent="-228600" algn="l" defTabSz="914400" rtl="0" eaLnBrk="1" latinLnBrk="0" hangingPunct="1">
-              <a:lnSpc>
-                <a:spcPct val="130000"/>
-              </a:lnSpc>
-              <a:spcBef>
-                <a:spcPct val="30000"/>
-              </a:spcBef>
-              <a:spcAft>
-                <a:spcPts val="1000"/>
-              </a:spcAft>
-              <a:buFont typeface="Arial" panose="020B0604020202020204" pitchFamily="34" charset="0"/>
-              <a:buChar char="•"/>
-              <a:defRPr sz="1100" kern="1200" baseline="0">
-                <a:solidFill>
-                  <a:schemeClr val="tx1">
-                    <a:lumMod val="65000"/>
-                    <a:lumOff val="35000"/>
-                  </a:schemeClr>
-                </a:solidFill>
-                <a:latin typeface="+mn-lt"/>
-                <a:ea typeface="+mn-ea"/>
-                <a:cs typeface="+mn-cs"/>
-              </a:defRPr>
-            </a:lvl4pPr>
-            <a:lvl5pPr marL="2057400" indent="-228600" algn="l" defTabSz="914400" rtl="0" eaLnBrk="1" latinLnBrk="0" hangingPunct="1">
-              <a:lnSpc>
-                <a:spcPct val="130000"/>
-              </a:lnSpc>
-              <a:spcBef>
-                <a:spcPct val="30000"/>
-              </a:spcBef>
-              <a:spcAft>
-                <a:spcPts val="1000"/>
-              </a:spcAft>
-              <a:buFont typeface="Arial" panose="020B0604020202020204" pitchFamily="34" charset="0"/>
-              <a:buChar char="•"/>
-              <a:defRPr sz="1100" kern="1200" baseline="0">
-                <a:solidFill>
-                  <a:schemeClr val="tx1">
-                    <a:lumMod val="65000"/>
-                    <a:lumOff val="35000"/>
-                  </a:schemeClr>
-                </a:solidFill>
-                <a:latin typeface="+mn-lt"/>
-                <a:ea typeface="+mn-ea"/>
-                <a:cs typeface="+mn-cs"/>
-              </a:defRPr>
-            </a:lvl5pPr>
-            <a:lvl6pPr marL="2514600" indent="-228600" algn="l" defTabSz="914400" rtl="0" eaLnBrk="1" latinLnBrk="0" hangingPunct="1">
-              <a:lnSpc>
-                <a:spcPct val="90000"/>
-              </a:lnSpc>
-              <a:spcBef>
-                <a:spcPct val="30000"/>
-              </a:spcBef>
-              <a:buFont typeface="Arial" panose="020B0604020202020204" pitchFamily="34" charset="0"/>
-              <a:buChar char="•"/>
-              <a:defRPr sz="1800" kern="1200">
-                <a:solidFill>
-                  <a:schemeClr val="tx1"/>
-                </a:solidFill>
-                <a:latin typeface="+mn-lt"/>
-                <a:ea typeface="+mn-ea"/>
-                <a:cs typeface="+mn-cs"/>
-              </a:defRPr>
-            </a:lvl6pPr>
-            <a:lvl7pPr marL="2971800" indent="-228600" algn="l" defTabSz="914400" rtl="0" eaLnBrk="1" latinLnBrk="0" hangingPunct="1">
-              <a:lnSpc>
-                <a:spcPct val="90000"/>
-              </a:lnSpc>
-              <a:spcBef>
-                <a:spcPct val="30000"/>
-              </a:spcBef>
-              <a:buFont typeface="Arial" panose="020B0604020202020204" pitchFamily="34" charset="0"/>
-              <a:buChar char="•"/>
-              <a:defRPr sz="1800" kern="1200">
-                <a:solidFill>
-                  <a:schemeClr val="tx1"/>
-                </a:solidFill>
-                <a:latin typeface="+mn-lt"/>
-                <a:ea typeface="+mn-ea"/>
-                <a:cs typeface="+mn-cs"/>
-              </a:defRPr>
-            </a:lvl7pPr>
-            <a:lvl8pPr marL="3429000" indent="-228600" algn="l" defTabSz="914400" rtl="0" eaLnBrk="1" latinLnBrk="0" hangingPunct="1">
-              <a:lnSpc>
-                <a:spcPct val="90000"/>
-              </a:lnSpc>
-              <a:spcBef>
-                <a:spcPct val="30000"/>
-              </a:spcBef>
-              <a:buFont typeface="Arial" panose="020B0604020202020204" pitchFamily="34" charset="0"/>
-              <a:buChar char="•"/>
-              <a:defRPr sz="1800" kern="1200">
-                <a:solidFill>
-                  <a:schemeClr val="tx1"/>
-                </a:solidFill>
-                <a:latin typeface="+mn-lt"/>
-                <a:ea typeface="+mn-ea"/>
-                <a:cs typeface="+mn-cs"/>
-              </a:defRPr>
-            </a:lvl8pPr>
-            <a:lvl9pPr marL="3886200" indent="-228600" algn="l" defTabSz="914400" rtl="0" eaLnBrk="1" latinLnBrk="0" hangingPunct="1">
-              <a:lnSpc>
-                <a:spcPct val="90000"/>
-              </a:lnSpc>
-              <a:spcBef>
-                <a:spcPct val="30000"/>
-              </a:spcBef>
-              <a:buFont typeface="Arial" panose="020B0604020202020204" pitchFamily="34" charset="0"/>
-              <a:buChar char="•"/>
-              <a:defRPr sz="1800" kern="1200">
-                <a:solidFill>
-                  <a:schemeClr val="tx1"/>
-                </a:solidFill>
-                <a:latin typeface="+mn-lt"/>
-                <a:ea typeface="+mn-ea"/>
-                <a:cs typeface="+mn-cs"/>
-              </a:defRPr>
-            </a:lvl9pPr>
-          </a:lstStyle>
-          <a:p>
-            <a:pPr>
-              <a:spcBef>
-                <a:spcPts val="4100"/>
-              </a:spcBef>
-            </a:pPr>
-            <a:r>
-              <a:rPr lang="en-US" b="1" dirty="0">
-                <a:latin typeface="Arial" panose="020B0604020202020204" pitchFamily="34" charset="0"/>
-                <a:cs typeface="Arial" panose="020B0604020202020204" pitchFamily="34" charset="0"/>
-              </a:rPr>
-              <a:t>Hint:</a:t>
-            </a:r>
-            <a:r>
-              <a:rPr lang="en-US" dirty="0">
-                <a:latin typeface="Arial" panose="020B0604020202020204" pitchFamily="34" charset="0"/>
-                <a:cs typeface="Arial" panose="020B0604020202020204" pitchFamily="34" charset="0"/>
-              </a:rPr>
-              <a:t> If you want a quick way to see comments in presentations, just select </a:t>
-            </a:r>
-            <a:br>
-              <a:rPr lang="en-US" dirty="0">
-                <a:latin typeface="Arial" panose="020B0604020202020204" pitchFamily="34" charset="0"/>
-                <a:cs typeface="Arial" panose="020B0604020202020204" pitchFamily="34" charset="0"/>
-              </a:rPr>
-            </a:br>
-            <a:r>
-              <a:rPr lang="en-US" b="1" dirty="0">
-                <a:latin typeface="Arial" panose="020B0604020202020204" pitchFamily="34" charset="0"/>
-                <a:cs typeface="Arial" panose="020B0604020202020204" pitchFamily="34" charset="0"/>
-              </a:rPr>
-              <a:t>Comments</a:t>
-            </a:r>
-            <a:r>
-              <a:rPr lang="en-US" dirty="0">
-                <a:latin typeface="Arial" panose="020B0604020202020204" pitchFamily="34" charset="0"/>
-                <a:cs typeface="Arial" panose="020B0604020202020204" pitchFamily="34" charset="0"/>
-              </a:rPr>
-              <a:t> in the </a:t>
-            </a:r>
-            <a:r>
-              <a:rPr lang="en-US" b="1" dirty="0">
-                <a:latin typeface="Arial" panose="020B0604020202020204" pitchFamily="34" charset="0"/>
-                <a:cs typeface="Arial" panose="020B0604020202020204" pitchFamily="34" charset="0"/>
-              </a:rPr>
-              <a:t>Status Bar </a:t>
-            </a:r>
-            <a:r>
-              <a:rPr lang="en-US" dirty="0">
-                <a:latin typeface="Arial" panose="020B0604020202020204" pitchFamily="34" charset="0"/>
-                <a:cs typeface="Arial" panose="020B0604020202020204" pitchFamily="34" charset="0"/>
-              </a:rPr>
-              <a:t>at the bottom of the screen.</a:t>
-            </a:r>
-          </a:p>
-        </p:txBody>
-      </p:sp>
+      </p:pic>
       <p:pic>
         <p:nvPicPr>
-          <p:cNvPr id="9" name="Picture 8" descr="Comments indicator on the Status Bar"/>
+          <p:cNvPr id="22" name="Picture 21">
+            <a:extLst>
+              <a:ext uri="{FF2B5EF4-FFF2-40B4-BE49-F238E27FC236}">
+                <a16:creationId xmlns:a16="http://schemas.microsoft.com/office/drawing/2014/main" id="{3CE89921-898C-4C84-A390-B9748E281296}"/>
+              </a:ext>
+            </a:extLst>
+          </p:cNvPr>
+          <p:cNvPicPr>
+            <a:picLocks noChangeAspect="1"/>
+          </p:cNvPicPr>
+          <p:nvPr/>
+        </p:nvPicPr>
+        <p:blipFill>
+          <a:blip r:embed="rId5" cstate="print">
+            <a:extLst>
+              <a:ext uri="{28A0092B-C50C-407E-A947-70E740481C1C}">
+                <a14:useLocalDpi xmlns:a14="http://schemas.microsoft.com/office/drawing/2010/main" val="0"/>
+              </a:ext>
+            </a:extLst>
+          </a:blip>
+          <a:stretch>
+            <a:fillRect/>
+          </a:stretch>
+        </p:blipFill>
+        <p:spPr>
+          <a:xfrm>
+            <a:off x="6611066" y="1817337"/>
+            <a:ext cx="5098333" cy="1509585"/>
+          </a:xfrm>
+          <a:prstGeom prst="rect">
+            <a:avLst/>
+          </a:prstGeom>
+        </p:spPr>
+      </p:pic>
+      <p:pic>
+        <p:nvPicPr>
+          <p:cNvPr id="24" name="Picture 23">
+            <a:extLst>
+              <a:ext uri="{FF2B5EF4-FFF2-40B4-BE49-F238E27FC236}">
+                <a16:creationId xmlns:a16="http://schemas.microsoft.com/office/drawing/2014/main" id="{9231F255-CAEB-4254-BCBC-B6E7CE0D8C64}"/>
+              </a:ext>
+            </a:extLst>
+          </p:cNvPr>
           <p:cNvPicPr>
             <a:picLocks noChangeAspect="1"/>
           </p:cNvPicPr>
@@ -4054,14 +4412,104 @@
         </p:blipFill>
         <p:spPr>
           <a:xfrm>
-            <a:off x="649945" y="5904744"/>
-            <a:ext cx="4236720" cy="503728"/>
+            <a:off x="7196419" y="4933950"/>
+            <a:ext cx="4191000" cy="1714500"/>
           </a:xfrm>
           <a:prstGeom prst="rect">
             <a:avLst/>
           </a:prstGeom>
         </p:spPr>
       </p:pic>
+      <p:pic>
+        <p:nvPicPr>
+          <p:cNvPr id="26" name="Picture 25">
+            <a:extLst>
+              <a:ext uri="{FF2B5EF4-FFF2-40B4-BE49-F238E27FC236}">
+                <a16:creationId xmlns:a16="http://schemas.microsoft.com/office/drawing/2014/main" id="{2C8A39DC-A439-4BA2-AC93-5208E8C6B7D8}"/>
+              </a:ext>
+            </a:extLst>
+          </p:cNvPr>
+          <p:cNvPicPr>
+            <a:picLocks noChangeAspect="1"/>
+          </p:cNvPicPr>
+          <p:nvPr/>
+        </p:nvPicPr>
+        <p:blipFill>
+          <a:blip r:embed="rId7">
+            <a:extLst>
+              <a:ext uri="{28A0092B-C50C-407E-A947-70E740481C1C}">
+                <a14:useLocalDpi xmlns:a14="http://schemas.microsoft.com/office/drawing/2010/main" val="0"/>
+              </a:ext>
+            </a:extLst>
+          </a:blip>
+          <a:stretch>
+            <a:fillRect/>
+          </a:stretch>
+        </p:blipFill>
+        <p:spPr>
+          <a:xfrm>
+            <a:off x="266701" y="4552950"/>
+            <a:ext cx="4191000" cy="2095500"/>
+          </a:xfrm>
+          <a:prstGeom prst="rect">
+            <a:avLst/>
+          </a:prstGeom>
+        </p:spPr>
+      </p:pic>
+      <p:sp>
+        <p:nvSpPr>
+          <p:cNvPr id="27" name="Rectangle 26">
+            <a:extLst>
+              <a:ext uri="{FF2B5EF4-FFF2-40B4-BE49-F238E27FC236}">
+                <a16:creationId xmlns:a16="http://schemas.microsoft.com/office/drawing/2014/main" id="{1AF44C03-08B8-45C0-BA7F-52958954739B}"/>
+              </a:ext>
+            </a:extLst>
+          </p:cNvPr>
+          <p:cNvSpPr/>
+          <p:nvPr/>
+        </p:nvSpPr>
+        <p:spPr>
+          <a:xfrm>
+            <a:off x="266701" y="3721100"/>
+            <a:ext cx="11442698" cy="831850"/>
+          </a:xfrm>
+          <a:prstGeom prst="rect">
+            <a:avLst/>
+          </a:prstGeom>
+          <a:noFill/>
+          <a:ln w="9525" cap="flat" cmpd="sng" algn="ctr">
+            <a:solidFill>
+              <a:schemeClr val="accent5"/>
+            </a:solidFill>
+            <a:prstDash val="solid"/>
+            <a:round/>
+            <a:headEnd type="none" w="med" len="med"/>
+            <a:tailEnd type="none" w="med" len="med"/>
+          </a:ln>
+        </p:spPr>
+        <p:style>
+          <a:lnRef idx="0">
+            <a:scrgbClr r="0" g="0" b="0"/>
+          </a:lnRef>
+          <a:fillRef idx="0">
+            <a:scrgbClr r="0" g="0" b="0"/>
+          </a:fillRef>
+          <a:effectRef idx="0">
+            <a:scrgbClr r="0" g="0" b="0"/>
+          </a:effectRef>
+          <a:fontRef idx="minor">
+            <a:schemeClr val="accent5"/>
+          </a:fontRef>
+        </p:style>
+        <p:txBody>
+          <a:bodyPr rtlCol="0" anchor="ctr"/>
+          <a:lstStyle/>
+          <a:p>
+            <a:pPr algn="ctr"/>
+            <a:endParaRPr lang="en-US"/>
+          </a:p>
+        </p:txBody>
+      </p:sp>
     </p:spTree>
     <p:extLst>
       <p:ext uri="{BB962C8B-B14F-4D97-AF65-F5344CB8AC3E}">
@@ -4170,7 +4618,7 @@
         <p:spPr>
           <a:xfrm>
             <a:off x="667873" y="1731495"/>
-            <a:ext cx="8218951" cy="4344839"/>
+            <a:ext cx="8218951" cy="2078505"/>
           </a:xfrm>
         </p:spPr>
         <p:txBody>
@@ -4180,20 +4628,18 @@
           <a:lstStyle/>
           <a:p>
             <a:r>
+              <a:rPr lang="en-US" dirty="0" err="1">
+                <a:latin typeface="Arial" panose="020B0604020202020204" pitchFamily="34" charset="0"/>
+                <a:cs typeface="Arial" panose="020B0604020202020204" pitchFamily="34" charset="0"/>
+              </a:rPr>
+              <a:t>Materi</a:t>
+            </a:r>
+            <a:r>
               <a:rPr lang="en-US" dirty="0">
                 <a:latin typeface="Arial" panose="020B0604020202020204" pitchFamily="34" charset="0"/>
                 <a:cs typeface="Arial" panose="020B0604020202020204" pitchFamily="34" charset="0"/>
               </a:rPr>
-              <a:t>With your document stored online, your group can work on it together at the same time.</a:t>
-            </a:r>
-          </a:p>
-          <a:p>
-            <a:r>
-              <a:rPr lang="en-US" dirty="0">
-                <a:latin typeface="Arial" panose="020B0604020202020204" pitchFamily="34" charset="0"/>
-                <a:cs typeface="Arial" panose="020B0604020202020204" pitchFamily="34" charset="0"/>
-              </a:rPr>
-              <a:t>How it works:</a:t>
+              <a:t> Backend Web Developer :</a:t>
             </a:r>
           </a:p>
           <a:p>
@@ -4206,35 +4652,7 @@
                 <a:latin typeface="Arial" panose="020B0604020202020204" pitchFamily="34" charset="0"/>
                 <a:cs typeface="Arial" panose="020B0604020202020204" pitchFamily="34" charset="0"/>
               </a:rPr>
-              <a:t>Select </a:t>
-            </a:r>
-            <a:r>
-              <a:rPr lang="en-US" b="1" dirty="0">
-                <a:latin typeface="Arial" panose="020B0604020202020204" pitchFamily="34" charset="0"/>
-                <a:cs typeface="Arial" panose="020B0604020202020204" pitchFamily="34" charset="0"/>
-              </a:rPr>
-              <a:t>File</a:t>
-            </a:r>
-            <a:r>
-              <a:rPr lang="en-US" dirty="0">
-                <a:latin typeface="Arial" panose="020B0604020202020204" pitchFamily="34" charset="0"/>
-                <a:cs typeface="Arial" panose="020B0604020202020204" pitchFamily="34" charset="0"/>
-              </a:rPr>
-              <a:t> &gt; </a:t>
-            </a:r>
-            <a:r>
-              <a:rPr lang="en-US" b="1" dirty="0">
-                <a:latin typeface="Arial" panose="020B0604020202020204" pitchFamily="34" charset="0"/>
-                <a:cs typeface="Arial" panose="020B0604020202020204" pitchFamily="34" charset="0"/>
-              </a:rPr>
-              <a:t>Save As </a:t>
-            </a:r>
-            <a:r>
-              <a:rPr lang="en-US" dirty="0">
-                <a:latin typeface="Arial" panose="020B0604020202020204" pitchFamily="34" charset="0"/>
-                <a:cs typeface="Arial" panose="020B0604020202020204" pitchFamily="34" charset="0"/>
-              </a:rPr>
-              <a:t>to save your document in an online location, like OneDrive.</a:t>
+              <a:t>Web Service Apache Database MySQL.</a:t>
             </a:r>
           </a:p>
           <a:p>
@@ -4247,32 +4665,7 @@
                 <a:latin typeface="Arial" panose="020B0604020202020204" pitchFamily="34" charset="0"/>
                 <a:cs typeface="Arial" panose="020B0604020202020204" pitchFamily="34" charset="0"/>
               </a:rPr>
-              <a:t>Select </a:t>
-            </a:r>
-            <a:r>
-              <a:rPr lang="en-US" b="1" dirty="0">
-                <a:latin typeface="Arial" panose="020B0604020202020204" pitchFamily="34" charset="0"/>
-                <a:cs typeface="Arial" panose="020B0604020202020204" pitchFamily="34" charset="0"/>
-              </a:rPr>
-              <a:t>Share</a:t>
-            </a:r>
-            <a:r>
-              <a:rPr lang="en-US" dirty="0">
-                <a:latin typeface="Arial" panose="020B0604020202020204" pitchFamily="34" charset="0"/>
-                <a:cs typeface="Arial" panose="020B0604020202020204" pitchFamily="34" charset="0"/>
-              </a:rPr>
-              <a:t> from </a:t>
-            </a:r>
-            <a:r>
-              <a:rPr lang="en-US" dirty="0"/>
-              <a:t>above the ribbon</a:t>
-            </a:r>
-            <a:r>
-              <a:rPr lang="en-US" dirty="0">
-                <a:latin typeface="Arial" panose="020B0604020202020204" pitchFamily="34" charset="0"/>
-                <a:cs typeface="Arial" panose="020B0604020202020204" pitchFamily="34" charset="0"/>
-              </a:rPr>
-              <a:t>.</a:t>
+              <a:t>Bahasa Program PHP</a:t>
             </a:r>
           </a:p>
           <a:p>
@@ -4285,116 +4678,460 @@
                 <a:latin typeface="Arial" panose="020B0604020202020204" pitchFamily="34" charset="0"/>
                 <a:cs typeface="Arial" panose="020B0604020202020204" pitchFamily="34" charset="0"/>
               </a:rPr>
-              <a:t>Invite people or send a link so they can edit with you.</a:t>
+              <a:t>Front End Web </a:t>
+            </a:r>
+            <a:r>
+              <a:rPr lang="en-US" dirty="0" err="1">
+                <a:latin typeface="Arial" panose="020B0604020202020204" pitchFamily="34" charset="0"/>
+                <a:cs typeface="Arial" panose="020B0604020202020204" pitchFamily="34" charset="0"/>
+              </a:rPr>
+              <a:t>dengan</a:t>
+            </a:r>
+            <a:r>
+              <a:rPr lang="en-US" dirty="0">
+                <a:latin typeface="Arial" panose="020B0604020202020204" pitchFamily="34" charset="0"/>
+                <a:cs typeface="Arial" panose="020B0604020202020204" pitchFamily="34" charset="0"/>
+              </a:rPr>
+              <a:t> Web HTML </a:t>
+            </a:r>
+            <a:r>
+              <a:rPr lang="en-US" dirty="0" err="1">
+                <a:latin typeface="Arial" panose="020B0604020202020204" pitchFamily="34" charset="0"/>
+                <a:cs typeface="Arial" panose="020B0604020202020204" pitchFamily="34" charset="0"/>
+              </a:rPr>
+              <a:t>Javascript</a:t>
+            </a:r>
+            <a:r>
+              <a:rPr lang="en-US" dirty="0">
+                <a:latin typeface="Arial" panose="020B0604020202020204" pitchFamily="34" charset="0"/>
+                <a:cs typeface="Arial" panose="020B0604020202020204" pitchFamily="34" charset="0"/>
+              </a:rPr>
+              <a:t> dan AJAX.</a:t>
             </a:r>
           </a:p>
         </p:txBody>
       </p:sp>
-      <p:pic>
-        <p:nvPicPr>
-          <p:cNvPr id="10" name="Picture 9" descr="File &gt; Save As in the menu"/>
-          <p:cNvPicPr>
-            <a:picLocks noChangeAspect="1"/>
-          </p:cNvPicPr>
-          <p:nvPr/>
-        </p:nvPicPr>
-        <p:blipFill>
-          <a:blip r:embed="rId3">
+      <p:sp>
+        <p:nvSpPr>
+          <p:cNvPr id="5" name="TextBox 4">
             <a:extLst>
-              <a:ext uri="{28A0092B-C50C-407E-A947-70E740481C1C}">
-                <a14:useLocalDpi xmlns:a14="http://schemas.microsoft.com/office/drawing/2010/main" val="0"/>
+              <a:ext uri="{FF2B5EF4-FFF2-40B4-BE49-F238E27FC236}">
+                <a16:creationId xmlns:a16="http://schemas.microsoft.com/office/drawing/2014/main" id="{2B0D82F0-21D0-4637-A968-A1E4FF4C3625}"/>
               </a:ext>
             </a:extLst>
-          </a:blip>
-          <a:stretch>
-            <a:fillRect/>
-          </a:stretch>
-        </p:blipFill>
+          </p:cNvPr>
+          <p:cNvSpPr txBox="1"/>
+          <p:nvPr/>
+        </p:nvSpPr>
         <p:spPr>
           <a:xfrm>
-            <a:off x="8425267" y="2726871"/>
-            <a:ext cx="3618708" cy="2356757"/>
+            <a:off x="523752" y="3810000"/>
+            <a:ext cx="5242048" cy="369332"/>
+          </a:xfrm>
+          <a:prstGeom prst="rect">
+            <a:avLst/>
+          </a:prstGeom>
+          <a:noFill/>
+        </p:spPr>
+        <p:txBody>
+          <a:bodyPr wrap="square" rtlCol="0">
+            <a:spAutoFit/>
+          </a:bodyPr>
+          <a:lstStyle/>
+          <a:p>
+            <a:r>
+              <a:rPr lang="it-IT" dirty="0">
+                <a:hlinkClick r:id="rId3"/>
+              </a:rPr>
+              <a:t>Modul Pdf di portal belajar</a:t>
+            </a:r>
+            <a:endParaRPr lang="en-US" dirty="0"/>
+          </a:p>
+        </p:txBody>
+      </p:sp>
+      <p:sp>
+        <p:nvSpPr>
+          <p:cNvPr id="11" name="Content Placeholder 6">
+            <a:extLst>
+              <a:ext uri="{FF2B5EF4-FFF2-40B4-BE49-F238E27FC236}">
+                <a16:creationId xmlns:a16="http://schemas.microsoft.com/office/drawing/2014/main" id="{648FC5E7-FFE2-4C04-BF7F-43DB29A0AAD6}"/>
+              </a:ext>
+            </a:extLst>
+          </p:cNvPr>
+          <p:cNvSpPr txBox="1">
+            <a:spLocks/>
+          </p:cNvSpPr>
+          <p:nvPr/>
+        </p:nvSpPr>
+        <p:spPr>
+          <a:xfrm>
+            <a:off x="667872" y="4332627"/>
+            <a:ext cx="8218951" cy="2078505"/>
           </a:xfrm>
           <a:prstGeom prst="rect">
             <a:avLst/>
           </a:prstGeom>
         </p:spPr>
-      </p:pic>
-      <p:pic>
-        <p:nvPicPr>
-          <p:cNvPr id="4" name="Picture 3">
-            <a:extLst>
-              <a:ext uri="{FF2B5EF4-FFF2-40B4-BE49-F238E27FC236}">
-                <a16:creationId xmlns:a16="http://schemas.microsoft.com/office/drawing/2014/main" id="{37BA87CF-E277-A645-B0CF-DF469BEAB79A}"/>
-              </a:ext>
-              <a:ext uri="{C183D7F6-B498-43B3-948B-1728B52AA6E4}">
-                <adec:decorative xmlns:adec="http://schemas.microsoft.com/office/drawing/2017/decorative" val="1"/>
-              </a:ext>
-            </a:extLst>
-          </p:cNvPr>
-          <p:cNvPicPr>
-            <a:picLocks noChangeAspect="1"/>
-          </p:cNvPicPr>
-          <p:nvPr/>
-        </p:nvPicPr>
-        <p:blipFill>
-          <a:blip r:embed="rId4">
-            <a:extLst>
-              <a:ext uri="{28A0092B-C50C-407E-A947-70E740481C1C}">
-                <a14:useLocalDpi xmlns:a14="http://schemas.microsoft.com/office/drawing/2010/main" val="0"/>
-              </a:ext>
-            </a:extLst>
-          </a:blip>
-          <a:stretch>
-            <a:fillRect/>
-          </a:stretch>
-        </p:blipFill>
-        <p:spPr>
-          <a:xfrm>
-            <a:off x="4390417" y="3275789"/>
-            <a:ext cx="609600" cy="228600"/>
-          </a:xfrm>
-          <a:prstGeom prst="rect">
-            <a:avLst/>
-          </a:prstGeom>
-        </p:spPr>
-      </p:pic>
-      <p:pic>
-        <p:nvPicPr>
-          <p:cNvPr id="9" name="Picture 8" descr="A screenshot of a cell phone&#10;&#10;Description generated with very high confidence">
-            <a:extLst>
-              <a:ext uri="{FF2B5EF4-FFF2-40B4-BE49-F238E27FC236}">
-                <a16:creationId xmlns:a16="http://schemas.microsoft.com/office/drawing/2014/main" id="{D7327A6C-7E56-4BAE-AE65-D701EFB9E710}"/>
-              </a:ext>
-            </a:extLst>
-          </p:cNvPr>
-          <p:cNvPicPr>
-            <a:picLocks noChangeAspect="1"/>
-          </p:cNvPicPr>
-          <p:nvPr/>
-        </p:nvPicPr>
-        <p:blipFill>
-          <a:blip r:embed="rId5">
-            <a:extLst>
-              <a:ext uri="{28A0092B-C50C-407E-A947-70E740481C1C}">
-                <a14:useLocalDpi xmlns:a14="http://schemas.microsoft.com/office/drawing/2010/main" val="0"/>
-              </a:ext>
-            </a:extLst>
-          </a:blip>
-          <a:stretch>
-            <a:fillRect/>
-          </a:stretch>
-        </p:blipFill>
-        <p:spPr>
-          <a:xfrm>
-            <a:off x="1016782" y="4164639"/>
-            <a:ext cx="4771429" cy="2285714"/>
-          </a:xfrm>
-          <a:prstGeom prst="rect">
-            <a:avLst/>
-          </a:prstGeom>
-        </p:spPr>
-      </p:pic>
+        <p:txBody>
+          <a:bodyPr vert="horz" lIns="0" tIns="0" rIns="0" bIns="0" rtlCol="0">
+            <a:noAutofit/>
+          </a:bodyPr>
+          <a:lstStyle>
+            <a:lvl1pPr marL="0" indent="0" algn="l" defTabSz="914400" rtl="0" eaLnBrk="1" latinLnBrk="0" hangingPunct="1">
+              <a:lnSpc>
+                <a:spcPct val="130000"/>
+              </a:lnSpc>
+              <a:spcBef>
+                <a:spcPts val="500"/>
+              </a:spcBef>
+              <a:spcAft>
+                <a:spcPts val="1000"/>
+              </a:spcAft>
+              <a:buFont typeface="Arial" panose="020B0604020202020204" pitchFamily="34" charset="0"/>
+              <a:buNone/>
+              <a:defRPr sz="1600" kern="1200" baseline="0">
+                <a:solidFill>
+                  <a:schemeClr val="tx1">
+                    <a:lumMod val="65000"/>
+                    <a:lumOff val="35000"/>
+                  </a:schemeClr>
+                </a:solidFill>
+                <a:latin typeface="+mn-lt"/>
+                <a:ea typeface="+mn-ea"/>
+                <a:cs typeface="+mn-cs"/>
+              </a:defRPr>
+            </a:lvl1pPr>
+            <a:lvl2pPr marL="685800" indent="-228600" algn="l" defTabSz="914400" rtl="0" eaLnBrk="1" latinLnBrk="0" hangingPunct="1">
+              <a:lnSpc>
+                <a:spcPct val="130000"/>
+              </a:lnSpc>
+              <a:spcBef>
+                <a:spcPts val="500"/>
+              </a:spcBef>
+              <a:spcAft>
+                <a:spcPts val="1000"/>
+              </a:spcAft>
+              <a:buFont typeface="Arial" panose="020B0604020202020204" pitchFamily="34" charset="0"/>
+              <a:buChar char="•"/>
+              <a:defRPr sz="1400" kern="1200" baseline="0">
+                <a:solidFill>
+                  <a:schemeClr val="tx1">
+                    <a:lumMod val="65000"/>
+                    <a:lumOff val="35000"/>
+                  </a:schemeClr>
+                </a:solidFill>
+                <a:latin typeface="+mn-lt"/>
+                <a:ea typeface="+mn-ea"/>
+                <a:cs typeface="+mn-cs"/>
+              </a:defRPr>
+            </a:lvl2pPr>
+            <a:lvl3pPr marL="1143000" indent="-228600" algn="l" defTabSz="914400" rtl="0" eaLnBrk="1" latinLnBrk="0" hangingPunct="1">
+              <a:lnSpc>
+                <a:spcPct val="130000"/>
+              </a:lnSpc>
+              <a:spcBef>
+                <a:spcPct val="30000"/>
+              </a:spcBef>
+              <a:spcAft>
+                <a:spcPts val="1000"/>
+              </a:spcAft>
+              <a:buFont typeface="Arial" panose="020B0604020202020204" pitchFamily="34" charset="0"/>
+              <a:buChar char="•"/>
+              <a:defRPr sz="1200" kern="1200" baseline="0">
+                <a:solidFill>
+                  <a:schemeClr val="tx1">
+                    <a:lumMod val="65000"/>
+                    <a:lumOff val="35000"/>
+                  </a:schemeClr>
+                </a:solidFill>
+                <a:latin typeface="+mn-lt"/>
+                <a:ea typeface="+mn-ea"/>
+                <a:cs typeface="+mn-cs"/>
+              </a:defRPr>
+            </a:lvl3pPr>
+            <a:lvl4pPr marL="1600200" indent="-228600" algn="l" defTabSz="914400" rtl="0" eaLnBrk="1" latinLnBrk="0" hangingPunct="1">
+              <a:lnSpc>
+                <a:spcPct val="130000"/>
+              </a:lnSpc>
+              <a:spcBef>
+                <a:spcPct val="30000"/>
+              </a:spcBef>
+              <a:spcAft>
+                <a:spcPts val="1000"/>
+              </a:spcAft>
+              <a:buFont typeface="Arial" panose="020B0604020202020204" pitchFamily="34" charset="0"/>
+              <a:buChar char="•"/>
+              <a:defRPr sz="1100" kern="1200" baseline="0">
+                <a:solidFill>
+                  <a:schemeClr val="tx1">
+                    <a:lumMod val="65000"/>
+                    <a:lumOff val="35000"/>
+                  </a:schemeClr>
+                </a:solidFill>
+                <a:latin typeface="+mn-lt"/>
+                <a:ea typeface="+mn-ea"/>
+                <a:cs typeface="+mn-cs"/>
+              </a:defRPr>
+            </a:lvl4pPr>
+            <a:lvl5pPr marL="2057400" indent="-228600" algn="l" defTabSz="914400" rtl="0" eaLnBrk="1" latinLnBrk="0" hangingPunct="1">
+              <a:lnSpc>
+                <a:spcPct val="130000"/>
+              </a:lnSpc>
+              <a:spcBef>
+                <a:spcPct val="30000"/>
+              </a:spcBef>
+              <a:spcAft>
+                <a:spcPts val="1000"/>
+              </a:spcAft>
+              <a:buFont typeface="Arial" panose="020B0604020202020204" pitchFamily="34" charset="0"/>
+              <a:buChar char="•"/>
+              <a:defRPr sz="1100" kern="1200" baseline="0">
+                <a:solidFill>
+                  <a:schemeClr val="tx1">
+                    <a:lumMod val="65000"/>
+                    <a:lumOff val="35000"/>
+                  </a:schemeClr>
+                </a:solidFill>
+                <a:latin typeface="+mn-lt"/>
+                <a:ea typeface="+mn-ea"/>
+                <a:cs typeface="+mn-cs"/>
+              </a:defRPr>
+            </a:lvl5pPr>
+            <a:lvl6pPr marL="2514600" indent="-228600" algn="l" defTabSz="914400" rtl="0" eaLnBrk="1" latinLnBrk="0" hangingPunct="1">
+              <a:lnSpc>
+                <a:spcPct val="90000"/>
+              </a:lnSpc>
+              <a:spcBef>
+                <a:spcPct val="30000"/>
+              </a:spcBef>
+              <a:buFont typeface="Arial" panose="020B0604020202020204" pitchFamily="34" charset="0"/>
+              <a:buChar char="•"/>
+              <a:defRPr sz="1800" kern="1200">
+                <a:solidFill>
+                  <a:schemeClr val="tx1"/>
+                </a:solidFill>
+                <a:latin typeface="+mn-lt"/>
+                <a:ea typeface="+mn-ea"/>
+                <a:cs typeface="+mn-cs"/>
+              </a:defRPr>
+            </a:lvl6pPr>
+            <a:lvl7pPr marL="2971800" indent="-228600" algn="l" defTabSz="914400" rtl="0" eaLnBrk="1" latinLnBrk="0" hangingPunct="1">
+              <a:lnSpc>
+                <a:spcPct val="90000"/>
+              </a:lnSpc>
+              <a:spcBef>
+                <a:spcPct val="30000"/>
+              </a:spcBef>
+              <a:buFont typeface="Arial" panose="020B0604020202020204" pitchFamily="34" charset="0"/>
+              <a:buChar char="•"/>
+              <a:defRPr sz="1800" kern="1200">
+                <a:solidFill>
+                  <a:schemeClr val="tx1"/>
+                </a:solidFill>
+                <a:latin typeface="+mn-lt"/>
+                <a:ea typeface="+mn-ea"/>
+                <a:cs typeface="+mn-cs"/>
+              </a:defRPr>
+            </a:lvl7pPr>
+            <a:lvl8pPr marL="3429000" indent="-228600" algn="l" defTabSz="914400" rtl="0" eaLnBrk="1" latinLnBrk="0" hangingPunct="1">
+              <a:lnSpc>
+                <a:spcPct val="90000"/>
+              </a:lnSpc>
+              <a:spcBef>
+                <a:spcPct val="30000"/>
+              </a:spcBef>
+              <a:buFont typeface="Arial" panose="020B0604020202020204" pitchFamily="34" charset="0"/>
+              <a:buChar char="•"/>
+              <a:defRPr sz="1800" kern="1200">
+                <a:solidFill>
+                  <a:schemeClr val="tx1"/>
+                </a:solidFill>
+                <a:latin typeface="+mn-lt"/>
+                <a:ea typeface="+mn-ea"/>
+                <a:cs typeface="+mn-cs"/>
+              </a:defRPr>
+            </a:lvl8pPr>
+            <a:lvl9pPr marL="3886200" indent="-228600" algn="l" defTabSz="914400" rtl="0" eaLnBrk="1" latinLnBrk="0" hangingPunct="1">
+              <a:lnSpc>
+                <a:spcPct val="90000"/>
+              </a:lnSpc>
+              <a:spcBef>
+                <a:spcPct val="30000"/>
+              </a:spcBef>
+              <a:buFont typeface="Arial" panose="020B0604020202020204" pitchFamily="34" charset="0"/>
+              <a:buChar char="•"/>
+              <a:defRPr sz="1800" kern="1200">
+                <a:solidFill>
+                  <a:schemeClr val="tx1"/>
+                </a:solidFill>
+                <a:latin typeface="+mn-lt"/>
+                <a:ea typeface="+mn-ea"/>
+                <a:cs typeface="+mn-cs"/>
+              </a:defRPr>
+            </a:lvl9pPr>
+          </a:lstStyle>
+          <a:p>
+            <a:r>
+              <a:rPr lang="en-US" dirty="0" err="1">
+                <a:latin typeface="Arial" panose="020B0604020202020204" pitchFamily="34" charset="0"/>
+                <a:cs typeface="Arial" panose="020B0604020202020204" pitchFamily="34" charset="0"/>
+              </a:rPr>
+              <a:t>Materi</a:t>
+            </a:r>
+            <a:r>
+              <a:rPr lang="en-US" dirty="0">
+                <a:latin typeface="Arial" panose="020B0604020202020204" pitchFamily="34" charset="0"/>
+                <a:cs typeface="Arial" panose="020B0604020202020204" pitchFamily="34" charset="0"/>
+              </a:rPr>
+              <a:t> Front end </a:t>
+            </a:r>
+            <a:r>
+              <a:rPr lang="en-US" dirty="0" err="1">
+                <a:latin typeface="Arial" panose="020B0604020202020204" pitchFamily="34" charset="0"/>
+                <a:cs typeface="Arial" panose="020B0604020202020204" pitchFamily="34" charset="0"/>
+              </a:rPr>
+              <a:t>ChatBot</a:t>
+            </a:r>
+            <a:r>
+              <a:rPr lang="en-US" dirty="0">
+                <a:latin typeface="Arial" panose="020B0604020202020204" pitchFamily="34" charset="0"/>
+                <a:cs typeface="Arial" panose="020B0604020202020204" pitchFamily="34" charset="0"/>
+              </a:rPr>
+              <a:t> Telegram </a:t>
+            </a:r>
+            <a:r>
+              <a:rPr lang="en-US" dirty="0" err="1">
+                <a:latin typeface="Arial" panose="020B0604020202020204" pitchFamily="34" charset="0"/>
+                <a:cs typeface="Arial" panose="020B0604020202020204" pitchFamily="34" charset="0"/>
+              </a:rPr>
+              <a:t>dengan</a:t>
+            </a:r>
+            <a:r>
+              <a:rPr lang="en-US" dirty="0">
+                <a:latin typeface="Arial" panose="020B0604020202020204" pitchFamily="34" charset="0"/>
+                <a:cs typeface="Arial" panose="020B0604020202020204" pitchFamily="34" charset="0"/>
+              </a:rPr>
+              <a:t> Python:</a:t>
+            </a:r>
+          </a:p>
+          <a:p>
+            <a:pPr marL="342900" indent="-342900">
+              <a:buFont typeface="+mj-lt"/>
+              <a:buAutoNum type="arabicPeriod"/>
+            </a:pPr>
+            <a:r>
+              <a:rPr lang="en-US" dirty="0">
+                <a:latin typeface="Arial" panose="020B0604020202020204" pitchFamily="34" charset="0"/>
+                <a:cs typeface="Arial" panose="020B0604020202020204" pitchFamily="34" charset="0"/>
+              </a:rPr>
+              <a:t>Dasar Python </a:t>
+            </a:r>
+            <a:r>
+              <a:rPr lang="en-US" dirty="0" err="1">
+                <a:latin typeface="Arial" panose="020B0604020202020204" pitchFamily="34" charset="0"/>
+                <a:cs typeface="Arial" panose="020B0604020202020204" pitchFamily="34" charset="0"/>
+              </a:rPr>
+              <a:t>dengan</a:t>
+            </a:r>
+            <a:r>
+              <a:rPr lang="en-US" dirty="0">
+                <a:latin typeface="Arial" panose="020B0604020202020204" pitchFamily="34" charset="0"/>
+                <a:cs typeface="Arial" panose="020B0604020202020204" pitchFamily="34" charset="0"/>
+              </a:rPr>
+              <a:t> Tools IDE </a:t>
+            </a:r>
+            <a:r>
+              <a:rPr lang="en-US" dirty="0" err="1">
+                <a:latin typeface="Arial" panose="020B0604020202020204" pitchFamily="34" charset="0"/>
+                <a:cs typeface="Arial" panose="020B0604020202020204" pitchFamily="34" charset="0"/>
+              </a:rPr>
+              <a:t>pycharm</a:t>
+            </a:r>
+            <a:r>
+              <a:rPr lang="en-US" dirty="0">
+                <a:latin typeface="Arial" panose="020B0604020202020204" pitchFamily="34" charset="0"/>
+                <a:cs typeface="Arial" panose="020B0604020202020204" pitchFamily="34" charset="0"/>
+              </a:rPr>
+              <a:t>.</a:t>
+            </a:r>
+          </a:p>
+          <a:p>
+            <a:pPr marL="342900" indent="-342900">
+              <a:buFont typeface="+mj-lt"/>
+              <a:buAutoNum type="arabicPeriod"/>
+            </a:pPr>
+            <a:r>
+              <a:rPr lang="en-US" dirty="0">
+                <a:latin typeface="Arial" panose="020B0604020202020204" pitchFamily="34" charset="0"/>
+                <a:cs typeface="Arial" panose="020B0604020202020204" pitchFamily="34" charset="0"/>
+              </a:rPr>
+              <a:t>Interfacing Data Database </a:t>
+            </a:r>
+            <a:r>
+              <a:rPr lang="en-US" dirty="0" err="1">
+                <a:latin typeface="Arial" panose="020B0604020202020204" pitchFamily="34" charset="0"/>
+                <a:cs typeface="Arial" panose="020B0604020202020204" pitchFamily="34" charset="0"/>
+              </a:rPr>
+              <a:t>Mysql</a:t>
+            </a:r>
+            <a:r>
+              <a:rPr lang="en-US" dirty="0">
+                <a:latin typeface="Arial" panose="020B0604020202020204" pitchFamily="34" charset="0"/>
+                <a:cs typeface="Arial" panose="020B0604020202020204" pitchFamily="34" charset="0"/>
+              </a:rPr>
+              <a:t> di Python</a:t>
+            </a:r>
+          </a:p>
+          <a:p>
+            <a:pPr marL="342900" indent="-342900">
+              <a:buFont typeface="+mj-lt"/>
+              <a:buAutoNum type="arabicPeriod"/>
+            </a:pPr>
+            <a:r>
+              <a:rPr lang="en-US" dirty="0" err="1">
+                <a:latin typeface="Arial" panose="020B0604020202020204" pitchFamily="34" charset="0"/>
+                <a:cs typeface="Arial" panose="020B0604020202020204" pitchFamily="34" charset="0"/>
+              </a:rPr>
+              <a:t>Pembuatan</a:t>
+            </a:r>
+            <a:r>
+              <a:rPr lang="en-US" dirty="0">
+                <a:latin typeface="Arial" panose="020B0604020202020204" pitchFamily="34" charset="0"/>
+                <a:cs typeface="Arial" panose="020B0604020202020204" pitchFamily="34" charset="0"/>
+              </a:rPr>
+              <a:t> Chatbot </a:t>
+            </a:r>
+            <a:r>
+              <a:rPr lang="en-US" dirty="0" err="1">
+                <a:latin typeface="Arial" panose="020B0604020202020204" pitchFamily="34" charset="0"/>
+                <a:cs typeface="Arial" panose="020B0604020202020204" pitchFamily="34" charset="0"/>
+              </a:rPr>
+              <a:t>dengan</a:t>
+            </a:r>
+            <a:r>
+              <a:rPr lang="en-US" dirty="0">
+                <a:latin typeface="Arial" panose="020B0604020202020204" pitchFamily="34" charset="0"/>
+                <a:cs typeface="Arial" panose="020B0604020202020204" pitchFamily="34" charset="0"/>
+              </a:rPr>
+              <a:t> </a:t>
+            </a:r>
+            <a:r>
+              <a:rPr lang="en-US" dirty="0" err="1">
+                <a:latin typeface="Arial" panose="020B0604020202020204" pitchFamily="34" charset="0"/>
+                <a:cs typeface="Arial" panose="020B0604020202020204" pitchFamily="34" charset="0"/>
+              </a:rPr>
+              <a:t>BotFather</a:t>
+            </a:r>
+            <a:r>
+              <a:rPr lang="en-US" dirty="0">
+                <a:latin typeface="Arial" panose="020B0604020202020204" pitchFamily="34" charset="0"/>
+                <a:cs typeface="Arial" panose="020B0604020202020204" pitchFamily="34" charset="0"/>
+              </a:rPr>
+              <a:t> Telegram.</a:t>
+            </a:r>
+          </a:p>
+        </p:txBody>
+      </p:sp>
     </p:spTree>
     <p:extLst>
       <p:ext uri="{BB962C8B-B14F-4D97-AF65-F5344CB8AC3E}">
@@ -4453,7 +5190,7 @@
                 <a:latin typeface="Arial" panose="020B0604020202020204" pitchFamily="34" charset="0"/>
                 <a:cs typeface="Arial" panose="020B0604020202020204" pitchFamily="34" charset="0"/>
               </a:rPr>
-              <a:t>Screenshot </a:t>
+              <a:t>Demo </a:t>
             </a:r>
             <a:r>
               <a:rPr lang="en-US" sz="3400" dirty="0" err="1">
@@ -4483,275 +5220,9 @@
           </a:p>
         </p:txBody>
       </p:sp>
-      <p:sp>
-        <p:nvSpPr>
-          <p:cNvPr id="7" name="Content Placeholder 6"/>
-          <p:cNvSpPr>
-            <a:spLocks noGrp="1"/>
-          </p:cNvSpPr>
-          <p:nvPr>
-            <p:ph idx="1"/>
-          </p:nvPr>
-        </p:nvSpPr>
-        <p:spPr>
-          <a:xfrm>
-            <a:off x="838201" y="1825624"/>
-            <a:ext cx="7362773" cy="4672285"/>
-          </a:xfrm>
-        </p:spPr>
-        <p:txBody>
-          <a:bodyPr>
-            <a:normAutofit fontScale="92500" lnSpcReduction="20000"/>
-          </a:bodyPr>
-          <a:lstStyle/>
-          <a:p>
-            <a:r>
-              <a:rPr lang="en-US" dirty="0">
-                <a:latin typeface="Arial" panose="020B0604020202020204" pitchFamily="34" charset="0"/>
-                <a:cs typeface="Arial" panose="020B0604020202020204" pitchFamily="34" charset="0"/>
-              </a:rPr>
-              <a:t>The </a:t>
-            </a:r>
-            <a:r>
-              <a:rPr lang="en-US" b="1" dirty="0">
-                <a:latin typeface="Arial" panose="020B0604020202020204" pitchFamily="34" charset="0"/>
-                <a:cs typeface="Arial" panose="020B0604020202020204" pitchFamily="34" charset="0"/>
-              </a:rPr>
-              <a:t>Selection Pane </a:t>
-            </a:r>
-            <a:r>
-              <a:rPr lang="en-US" dirty="0">
-                <a:latin typeface="Arial" panose="020B0604020202020204" pitchFamily="34" charset="0"/>
-                <a:cs typeface="Arial" panose="020B0604020202020204" pitchFamily="34" charset="0"/>
-              </a:rPr>
-              <a:t>is a great tool to organize and manage the objects on a slide, such as images, shapes, and text boxes. The </a:t>
-            </a:r>
-            <a:r>
-              <a:rPr lang="en-US" b="1" dirty="0">
-                <a:latin typeface="Arial" panose="020B0604020202020204" pitchFamily="34" charset="0"/>
-                <a:cs typeface="Arial" panose="020B0604020202020204" pitchFamily="34" charset="0"/>
-              </a:rPr>
-              <a:t>Selection Pane </a:t>
-            </a:r>
-            <a:r>
-              <a:rPr lang="en-US" dirty="0">
-                <a:latin typeface="Arial" panose="020B0604020202020204" pitchFamily="34" charset="0"/>
-                <a:cs typeface="Arial" panose="020B0604020202020204" pitchFamily="34" charset="0"/>
-              </a:rPr>
-              <a:t>is a subscription-only feature. If you have an Office 365 subscription, you can try it yourself:</a:t>
-            </a:r>
-          </a:p>
-          <a:p>
-            <a:r>
-              <a:rPr lang="en-US" dirty="0">
-                <a:latin typeface="Arial" panose="020B0604020202020204" pitchFamily="34" charset="0"/>
-                <a:cs typeface="Arial" panose="020B0604020202020204" pitchFamily="34" charset="0"/>
-              </a:rPr>
-              <a:t>Try it:</a:t>
-            </a:r>
-          </a:p>
-          <a:p>
-            <a:pPr marL="342900" indent="-342900">
-              <a:buFont typeface="+mj-lt"/>
-              <a:buAutoNum type="arabicPeriod"/>
-            </a:pPr>
-            <a:r>
-              <a:rPr lang="en-US" dirty="0">
-                <a:latin typeface="Arial" panose="020B0604020202020204" pitchFamily="34" charset="0"/>
-                <a:cs typeface="Arial" panose="020B0604020202020204" pitchFamily="34" charset="0"/>
-              </a:rPr>
-              <a:t>Go to the </a:t>
-            </a:r>
-            <a:r>
-              <a:rPr lang="en-US" b="1" dirty="0">
-                <a:latin typeface="Arial" panose="020B0604020202020204" pitchFamily="34" charset="0"/>
-                <a:cs typeface="Arial" panose="020B0604020202020204" pitchFamily="34" charset="0"/>
-              </a:rPr>
-              <a:t>Home</a:t>
-            </a:r>
-            <a:r>
-              <a:rPr lang="en-US" dirty="0">
-                <a:latin typeface="Arial" panose="020B0604020202020204" pitchFamily="34" charset="0"/>
-                <a:cs typeface="Arial" panose="020B0604020202020204" pitchFamily="34" charset="0"/>
-              </a:rPr>
-              <a:t> tab, select </a:t>
-            </a:r>
-            <a:r>
-              <a:rPr lang="en-US" b="1" dirty="0">
-                <a:latin typeface="Arial" panose="020B0604020202020204" pitchFamily="34" charset="0"/>
-                <a:cs typeface="Arial" panose="020B0604020202020204" pitchFamily="34" charset="0"/>
-              </a:rPr>
-              <a:t>Arrange</a:t>
-            </a:r>
-            <a:r>
-              <a:rPr lang="en-US" dirty="0">
-                <a:latin typeface="Arial" panose="020B0604020202020204" pitchFamily="34" charset="0"/>
-                <a:cs typeface="Arial" panose="020B0604020202020204" pitchFamily="34" charset="0"/>
-              </a:rPr>
-              <a:t> &gt; </a:t>
-            </a:r>
-            <a:br>
-              <a:rPr lang="en-US" dirty="0">
-                <a:latin typeface="Arial" panose="020B0604020202020204" pitchFamily="34" charset="0"/>
-                <a:cs typeface="Arial" panose="020B0604020202020204" pitchFamily="34" charset="0"/>
-              </a:rPr>
-            </a:br>
-            <a:r>
-              <a:rPr lang="en-US" b="1" dirty="0">
-                <a:latin typeface="Arial" panose="020B0604020202020204" pitchFamily="34" charset="0"/>
-                <a:cs typeface="Arial" panose="020B0604020202020204" pitchFamily="34" charset="0"/>
-              </a:rPr>
-              <a:t>Selection Pane</a:t>
-            </a:r>
-            <a:r>
-              <a:rPr lang="en-US" dirty="0">
-                <a:latin typeface="Arial" panose="020B0604020202020204" pitchFamily="34" charset="0"/>
-                <a:cs typeface="Arial" panose="020B0604020202020204" pitchFamily="34" charset="0"/>
-              </a:rPr>
-              <a:t>.</a:t>
-            </a:r>
-          </a:p>
-          <a:p>
-            <a:pPr marL="342900" indent="-342900">
-              <a:buFont typeface="+mj-lt"/>
-              <a:buAutoNum type="arabicPeriod"/>
-            </a:pPr>
-            <a:r>
-              <a:rPr lang="en-US" dirty="0">
-                <a:latin typeface="Arial" panose="020B0604020202020204" pitchFamily="34" charset="0"/>
-                <a:cs typeface="Arial" panose="020B0604020202020204" pitchFamily="34" charset="0"/>
-              </a:rPr>
-              <a:t>Try renaming an object: Double-click the</a:t>
-            </a:r>
-            <a:br>
-              <a:rPr lang="en-US" dirty="0">
-                <a:latin typeface="Arial" panose="020B0604020202020204" pitchFamily="34" charset="0"/>
-                <a:cs typeface="Arial" panose="020B0604020202020204" pitchFamily="34" charset="0"/>
-              </a:rPr>
-            </a:br>
-            <a:r>
-              <a:rPr lang="en-US" dirty="0">
-                <a:latin typeface="Arial" panose="020B0604020202020204" pitchFamily="34" charset="0"/>
-                <a:cs typeface="Arial" panose="020B0604020202020204" pitchFamily="34" charset="0"/>
-              </a:rPr>
-              <a:t>name “</a:t>
-            </a:r>
-            <a:r>
-              <a:rPr lang="en-US" dirty="0"/>
-              <a:t>Large grey rectangle</a:t>
-            </a:r>
-            <a:r>
-              <a:rPr lang="en-US" dirty="0">
-                <a:latin typeface="Arial" panose="020B0604020202020204" pitchFamily="34" charset="0"/>
-                <a:cs typeface="Arial" panose="020B0604020202020204" pitchFamily="34" charset="0"/>
-              </a:rPr>
-              <a:t>” in the </a:t>
-            </a:r>
-            <a:br>
-              <a:rPr lang="en-US" dirty="0">
-                <a:latin typeface="Arial" panose="020B0604020202020204" pitchFamily="34" charset="0"/>
-                <a:cs typeface="Arial" panose="020B0604020202020204" pitchFamily="34" charset="0"/>
-              </a:rPr>
-            </a:br>
-            <a:r>
-              <a:rPr lang="en-US" b="1" dirty="0">
-                <a:latin typeface="Arial" panose="020B0604020202020204" pitchFamily="34" charset="0"/>
-                <a:cs typeface="Arial" panose="020B0604020202020204" pitchFamily="34" charset="0"/>
-              </a:rPr>
-              <a:t>Selection Pane</a:t>
-            </a:r>
-            <a:r>
-              <a:rPr lang="en-US" dirty="0">
-                <a:latin typeface="Arial" panose="020B0604020202020204" pitchFamily="34" charset="0"/>
-                <a:cs typeface="Arial" panose="020B0604020202020204" pitchFamily="34" charset="0"/>
-              </a:rPr>
-              <a:t> and type a new name.</a:t>
-            </a:r>
-          </a:p>
-          <a:p>
-            <a:pPr marL="342900" indent="-342900">
-              <a:buFont typeface="+mj-lt"/>
-              <a:buAutoNum type="arabicPeriod"/>
-            </a:pPr>
-            <a:r>
-              <a:rPr lang="en-US" dirty="0">
-                <a:latin typeface="Arial" panose="020B0604020202020204" pitchFamily="34" charset="0"/>
-                <a:cs typeface="Arial" panose="020B0604020202020204" pitchFamily="34" charset="0"/>
-              </a:rPr>
-              <a:t>Try changing the order of objects: In the</a:t>
-            </a:r>
-            <a:br>
-              <a:rPr lang="en-US" dirty="0">
-                <a:latin typeface="Arial" panose="020B0604020202020204" pitchFamily="34" charset="0"/>
-                <a:cs typeface="Arial" panose="020B0604020202020204" pitchFamily="34" charset="0"/>
-              </a:rPr>
-            </a:br>
-            <a:r>
-              <a:rPr lang="en-US" b="1" dirty="0">
-                <a:latin typeface="Arial" panose="020B0604020202020204" pitchFamily="34" charset="0"/>
-                <a:cs typeface="Arial" panose="020B0604020202020204" pitchFamily="34" charset="0"/>
-              </a:rPr>
-              <a:t>Selection Pane</a:t>
-            </a:r>
-            <a:r>
-              <a:rPr lang="en-US" dirty="0">
-                <a:latin typeface="Arial" panose="020B0604020202020204" pitchFamily="34" charset="0"/>
-                <a:cs typeface="Arial" panose="020B0604020202020204" pitchFamily="34" charset="0"/>
-              </a:rPr>
-              <a:t>, drag and drop the large</a:t>
-            </a:r>
-            <a:br>
-              <a:rPr lang="en-US" dirty="0">
-                <a:latin typeface="Arial" panose="020B0604020202020204" pitchFamily="34" charset="0"/>
-                <a:cs typeface="Arial" panose="020B0604020202020204" pitchFamily="34" charset="0"/>
-              </a:rPr>
-            </a:br>
-            <a:r>
-              <a:rPr lang="en-US" dirty="0">
-                <a:latin typeface="Arial" panose="020B0604020202020204" pitchFamily="34" charset="0"/>
-                <a:cs typeface="Arial" panose="020B0604020202020204" pitchFamily="34" charset="0"/>
-              </a:rPr>
-              <a:t>grey rectangle so it’s at the top.</a:t>
-            </a:r>
-          </a:p>
-          <a:p>
-            <a:pPr marL="342900" indent="-342900">
-              <a:buFont typeface="+mj-lt"/>
-              <a:buAutoNum type="arabicPeriod"/>
-            </a:pPr>
-            <a:r>
-              <a:rPr lang="en-US" dirty="0">
-                <a:latin typeface="Arial" panose="020B0604020202020204" pitchFamily="34" charset="0"/>
-                <a:cs typeface="Arial" panose="020B0604020202020204" pitchFamily="34" charset="0"/>
-              </a:rPr>
-              <a:t>To toggle visibility of objects in the</a:t>
-            </a:r>
-            <a:br>
-              <a:rPr lang="en-US" dirty="0">
-                <a:latin typeface="Arial" panose="020B0604020202020204" pitchFamily="34" charset="0"/>
-                <a:cs typeface="Arial" panose="020B0604020202020204" pitchFamily="34" charset="0"/>
-              </a:rPr>
-            </a:br>
-            <a:r>
-              <a:rPr lang="en-US" b="1" dirty="0">
-                <a:latin typeface="Arial" panose="020B0604020202020204" pitchFamily="34" charset="0"/>
-                <a:cs typeface="Arial" panose="020B0604020202020204" pitchFamily="34" charset="0"/>
-              </a:rPr>
-              <a:t>Selection Pane</a:t>
-            </a:r>
-            <a:r>
-              <a:rPr lang="en-US" dirty="0">
-                <a:latin typeface="Arial" panose="020B0604020202020204" pitchFamily="34" charset="0"/>
-                <a:cs typeface="Arial" panose="020B0604020202020204" pitchFamily="34" charset="0"/>
-              </a:rPr>
-              <a:t>, click Show/Hide checkbox.</a:t>
-            </a:r>
-          </a:p>
-        </p:txBody>
-      </p:sp>
       <p:pic>
         <p:nvPicPr>
-          <p:cNvPr id="9" name="Picture 8" descr="Selection Pane"/>
+          <p:cNvPr id="10" name="Picture 9" descr="Show/Hide checkbox in the selection pane to toggle visibility"/>
           <p:cNvPicPr>
             <a:picLocks noChangeAspect="1"/>
           </p:cNvPicPr>
@@ -4771,37 +5242,7 @@
         </p:blipFill>
         <p:spPr>
           <a:xfrm>
-            <a:off x="4913851" y="2742223"/>
-            <a:ext cx="3287123" cy="2984998"/>
-          </a:xfrm>
-          <a:prstGeom prst="rect">
-            <a:avLst/>
-          </a:prstGeom>
-        </p:spPr>
-      </p:pic>
-      <p:pic>
-        <p:nvPicPr>
-          <p:cNvPr id="10" name="Picture 9" descr="Show/Hide checkbox in the selection pane to toggle visibility"/>
-          <p:cNvPicPr>
-            <a:picLocks noChangeAspect="1"/>
-          </p:cNvPicPr>
-          <p:nvPr/>
-        </p:nvPicPr>
-        <p:blipFill>
-          <a:blip r:embed="rId4">
-            <a:extLst>
-              <a:ext uri="{28A0092B-C50C-407E-A947-70E740481C1C}">
-                <a14:useLocalDpi xmlns:a14="http://schemas.microsoft.com/office/drawing/2010/main" val="0"/>
-              </a:ext>
-            </a:extLst>
-          </a:blip>
-          <a:stretch>
-            <a:fillRect/>
-          </a:stretch>
-        </p:blipFill>
-        <p:spPr>
-          <a:xfrm>
-            <a:off x="5083578" y="5947471"/>
+            <a:off x="550646" y="5947471"/>
             <a:ext cx="543336" cy="359872"/>
           </a:xfrm>
           <a:prstGeom prst="rect">
@@ -4903,6 +5344,112 @@
           </a:p>
         </p:txBody>
       </p:sp>
+      <p:pic>
+        <p:nvPicPr>
+          <p:cNvPr id="11" name="Picture 10">
+            <a:extLst>
+              <a:ext uri="{FF2B5EF4-FFF2-40B4-BE49-F238E27FC236}">
+                <a16:creationId xmlns:a16="http://schemas.microsoft.com/office/drawing/2014/main" id="{ED10007F-9F86-4495-9C3F-C8F41EB9E4CC}"/>
+              </a:ext>
+            </a:extLst>
+          </p:cNvPr>
+          <p:cNvPicPr>
+            <a:picLocks noChangeAspect="1"/>
+          </p:cNvPicPr>
+          <p:nvPr/>
+        </p:nvPicPr>
+        <p:blipFill>
+          <a:blip r:embed="rId4">
+            <a:extLst>
+              <a:ext uri="{28A0092B-C50C-407E-A947-70E740481C1C}">
+                <a14:useLocalDpi xmlns:a14="http://schemas.microsoft.com/office/drawing/2010/main" val="0"/>
+              </a:ext>
+            </a:extLst>
+          </a:blip>
+          <a:stretch>
+            <a:fillRect/>
+          </a:stretch>
+        </p:blipFill>
+        <p:spPr>
+          <a:xfrm>
+            <a:off x="297876" y="1562100"/>
+            <a:ext cx="5974080" cy="3733800"/>
+          </a:xfrm>
+          <a:prstGeom prst="rect">
+            <a:avLst/>
+          </a:prstGeom>
+        </p:spPr>
+      </p:pic>
+      <p:pic>
+        <p:nvPicPr>
+          <p:cNvPr id="12" name="Picture 11">
+            <a:extLst>
+              <a:ext uri="{FF2B5EF4-FFF2-40B4-BE49-F238E27FC236}">
+                <a16:creationId xmlns:a16="http://schemas.microsoft.com/office/drawing/2014/main" id="{978215C3-0DE5-46B7-BF2A-F61C60CB87BF}"/>
+              </a:ext>
+            </a:extLst>
+          </p:cNvPr>
+          <p:cNvPicPr>
+            <a:picLocks noChangeAspect="1"/>
+          </p:cNvPicPr>
+          <p:nvPr/>
+        </p:nvPicPr>
+        <p:blipFill rotWithShape="1">
+          <a:blip r:embed="rId5">
+            <a:extLst>
+              <a:ext uri="{28A0092B-C50C-407E-A947-70E740481C1C}">
+                <a14:useLocalDpi xmlns:a14="http://schemas.microsoft.com/office/drawing/2010/main" val="0"/>
+              </a:ext>
+            </a:extLst>
+          </a:blip>
+          <a:srcRect l="21463" t="14004" r="3035"/>
+          <a:stretch/>
+        </p:blipFill>
+        <p:spPr>
+          <a:xfrm>
+            <a:off x="3220282" y="2836135"/>
+            <a:ext cx="5245100" cy="3733800"/>
+          </a:xfrm>
+          <a:prstGeom prst="rect">
+            <a:avLst/>
+          </a:prstGeom>
+        </p:spPr>
+      </p:pic>
+      <p:pic>
+        <p:nvPicPr>
+          <p:cNvPr id="14" name="Picture 13">
+            <a:extLst>
+              <a:ext uri="{FF2B5EF4-FFF2-40B4-BE49-F238E27FC236}">
+                <a16:creationId xmlns:a16="http://schemas.microsoft.com/office/drawing/2014/main" id="{E6F5EBC7-DA6D-4F5A-B3A1-08B8DCD9D204}"/>
+              </a:ext>
+            </a:extLst>
+          </p:cNvPr>
+          <p:cNvPicPr>
+            <a:picLocks noChangeAspect="1"/>
+          </p:cNvPicPr>
+          <p:nvPr/>
+        </p:nvPicPr>
+        <p:blipFill rotWithShape="1">
+          <a:blip r:embed="rId6">
+            <a:extLst>
+              <a:ext uri="{28A0092B-C50C-407E-A947-70E740481C1C}">
+                <a14:useLocalDpi xmlns:a14="http://schemas.microsoft.com/office/drawing/2010/main" val="0"/>
+              </a:ext>
+            </a:extLst>
+          </a:blip>
+          <a:srcRect l="6655" t="2317" r="2654"/>
+          <a:stretch/>
+        </p:blipFill>
+        <p:spPr>
+          <a:xfrm>
+            <a:off x="9097649" y="1752600"/>
+            <a:ext cx="2699762" cy="3749132"/>
+          </a:xfrm>
+          <a:prstGeom prst="rect">
+            <a:avLst/>
+          </a:prstGeom>
+        </p:spPr>
+      </p:pic>
     </p:spTree>
     <p:extLst>
       <p:ext uri="{BB962C8B-B14F-4D97-AF65-F5344CB8AC3E}">
@@ -4966,262 +5513,6 @@
           </a:p>
         </p:txBody>
       </p:sp>
-      <p:sp>
-        <p:nvSpPr>
-          <p:cNvPr id="7" name="Content Placeholder 6"/>
-          <p:cNvSpPr>
-            <a:spLocks noGrp="1"/>
-          </p:cNvSpPr>
-          <p:nvPr>
-            <p:ph idx="1"/>
-          </p:nvPr>
-        </p:nvSpPr>
-        <p:spPr>
-          <a:xfrm>
-            <a:off x="624443" y="1630838"/>
-            <a:ext cx="7359497" cy="4940754"/>
-          </a:xfrm>
-        </p:spPr>
-        <p:txBody>
-          <a:bodyPr>
-            <a:normAutofit/>
-          </a:bodyPr>
-          <a:lstStyle/>
-          <a:p>
-            <a:r>
-              <a:rPr lang="en-US" dirty="0">
-                <a:latin typeface="Arial" panose="020B0604020202020204" pitchFamily="34" charset="0"/>
-                <a:cs typeface="Arial" panose="020B0604020202020204" pitchFamily="34" charset="0"/>
-              </a:rPr>
-              <a:t>When you sign in to Office 365, your documents go with you wherever you are. </a:t>
-            </a:r>
-            <a:br>
-              <a:rPr lang="en-US" dirty="0">
-                <a:latin typeface="Arial" panose="020B0604020202020204" pitchFamily="34" charset="0"/>
-                <a:cs typeface="Arial" panose="020B0604020202020204" pitchFamily="34" charset="0"/>
-              </a:rPr>
-            </a:br>
-            <a:r>
-              <a:rPr lang="en-US" dirty="0">
-                <a:latin typeface="Arial" panose="020B0604020202020204" pitchFamily="34" charset="0"/>
-                <a:cs typeface="Arial" panose="020B0604020202020204" pitchFamily="34" charset="0"/>
-              </a:rPr>
-              <a:t>Signing in connects Office to you and to the cloud.</a:t>
-            </a:r>
-          </a:p>
-          <a:p>
-            <a:pPr marL="285750" indent="-285750">
-              <a:buFont typeface="Arial" panose="020B0604020202020204" pitchFamily="34" charset="0"/>
-              <a:buChar char="•"/>
-            </a:pPr>
-            <a:r>
-              <a:rPr lang="en-US" dirty="0">
-                <a:latin typeface="Arial" panose="020B0604020202020204" pitchFamily="34" charset="0"/>
-                <a:cs typeface="Arial" panose="020B0604020202020204" pitchFamily="34" charset="0"/>
-              </a:rPr>
-              <a:t>Whenever you launch a program, you’ll see the documents you recently </a:t>
-            </a:r>
-            <a:br>
-              <a:rPr lang="en-US" dirty="0">
-                <a:latin typeface="Arial" panose="020B0604020202020204" pitchFamily="34" charset="0"/>
-                <a:cs typeface="Arial" panose="020B0604020202020204" pitchFamily="34" charset="0"/>
-              </a:rPr>
-            </a:br>
-            <a:r>
-              <a:rPr lang="en-US" dirty="0">
-                <a:latin typeface="Arial" panose="020B0604020202020204" pitchFamily="34" charset="0"/>
-                <a:cs typeface="Arial" panose="020B0604020202020204" pitchFamily="34" charset="0"/>
-              </a:rPr>
-              <a:t>opened on any of your devices. </a:t>
-            </a:r>
-          </a:p>
-          <a:p>
-            <a:pPr marL="285750" indent="-285750">
-              <a:buFont typeface="Arial" panose="020B0604020202020204" pitchFamily="34" charset="0"/>
-              <a:buChar char="•"/>
-            </a:pPr>
-            <a:r>
-              <a:rPr lang="en-US" dirty="0"/>
-              <a:t>Got a favorite presentation? Pin it to that first screen you see when you launch an Office program.</a:t>
-            </a:r>
-            <a:r>
-              <a:rPr lang="en-US" dirty="0">
-                <a:latin typeface="Arial" panose="020B0604020202020204" pitchFamily="34" charset="0"/>
-                <a:cs typeface="Arial" panose="020B0604020202020204" pitchFamily="34" charset="0"/>
-              </a:rPr>
-              <a:t> It remains pinned even when you sign in to </a:t>
-            </a:r>
-            <a:br>
-              <a:rPr lang="en-US" dirty="0">
-                <a:latin typeface="Arial" panose="020B0604020202020204" pitchFamily="34" charset="0"/>
-                <a:cs typeface="Arial" panose="020B0604020202020204" pitchFamily="34" charset="0"/>
-              </a:rPr>
-            </a:br>
-            <a:r>
-              <a:rPr lang="en-US" dirty="0">
-                <a:latin typeface="Arial" panose="020B0604020202020204" pitchFamily="34" charset="0"/>
-                <a:cs typeface="Arial" panose="020B0604020202020204" pitchFamily="34" charset="0"/>
-              </a:rPr>
-              <a:t>Office on another computer.</a:t>
-            </a:r>
-          </a:p>
-          <a:p>
-            <a:pPr marL="285750" indent="-285750">
-              <a:buFont typeface="Arial" panose="020B0604020202020204" pitchFamily="34" charset="0"/>
-              <a:buChar char="•"/>
-            </a:pPr>
-            <a:r>
-              <a:rPr lang="en-US" dirty="0">
-                <a:latin typeface="Arial" panose="020B0604020202020204" pitchFamily="34" charset="0"/>
-                <a:cs typeface="Arial" panose="020B0604020202020204" pitchFamily="34" charset="0"/>
-              </a:rPr>
-              <a:t>PowerPoint keeps track of where you </a:t>
-            </a:r>
-            <a:br>
-              <a:rPr lang="en-US" dirty="0">
-                <a:latin typeface="Arial" panose="020B0604020202020204" pitchFamily="34" charset="0"/>
-                <a:cs typeface="Arial" panose="020B0604020202020204" pitchFamily="34" charset="0"/>
-              </a:rPr>
-            </a:br>
-            <a:r>
-              <a:rPr lang="en-US" dirty="0">
-                <a:latin typeface="Arial" panose="020B0604020202020204" pitchFamily="34" charset="0"/>
-                <a:cs typeface="Arial" panose="020B0604020202020204" pitchFamily="34" charset="0"/>
-              </a:rPr>
-              <a:t>left off. The next time you open </a:t>
-            </a:r>
-            <a:br>
-              <a:rPr lang="en-US" dirty="0">
-                <a:latin typeface="Arial" panose="020B0604020202020204" pitchFamily="34" charset="0"/>
-                <a:cs typeface="Arial" panose="020B0604020202020204" pitchFamily="34" charset="0"/>
-              </a:rPr>
-            </a:br>
-            <a:r>
-              <a:rPr lang="en-US" dirty="0">
-                <a:latin typeface="Arial" panose="020B0604020202020204" pitchFamily="34" charset="0"/>
-                <a:cs typeface="Arial" panose="020B0604020202020204" pitchFamily="34" charset="0"/>
-              </a:rPr>
-              <a:t>a presentation, PowerPoint invites </a:t>
-            </a:r>
-            <a:br>
-              <a:rPr lang="en-US" dirty="0">
-                <a:latin typeface="Arial" panose="020B0604020202020204" pitchFamily="34" charset="0"/>
-                <a:cs typeface="Arial" panose="020B0604020202020204" pitchFamily="34" charset="0"/>
-              </a:rPr>
-            </a:br>
-            <a:r>
-              <a:rPr lang="en-US" dirty="0">
-                <a:latin typeface="Arial" panose="020B0604020202020204" pitchFamily="34" charset="0"/>
-                <a:cs typeface="Arial" panose="020B0604020202020204" pitchFamily="34" charset="0"/>
-              </a:rPr>
-              <a:t>you to jump directly to where</a:t>
-            </a:r>
-            <a:br>
-              <a:rPr lang="en-US" dirty="0">
-                <a:latin typeface="Arial" panose="020B0604020202020204" pitchFamily="34" charset="0"/>
-                <a:cs typeface="Arial" panose="020B0604020202020204" pitchFamily="34" charset="0"/>
-              </a:rPr>
-            </a:br>
-            <a:r>
-              <a:rPr lang="en-US" dirty="0">
-                <a:latin typeface="Arial" panose="020B0604020202020204" pitchFamily="34" charset="0"/>
-                <a:cs typeface="Arial" panose="020B0604020202020204" pitchFamily="34" charset="0"/>
-              </a:rPr>
-              <a:t>you were last reading or editing.</a:t>
-            </a:r>
-          </a:p>
-        </p:txBody>
-      </p:sp>
-      <p:pic>
-        <p:nvPicPr>
-          <p:cNvPr id="8" name="Picture 7" descr="Recent documents button"/>
-          <p:cNvPicPr>
-            <a:picLocks noChangeAspect="1"/>
-          </p:cNvPicPr>
-          <p:nvPr/>
-        </p:nvPicPr>
-        <p:blipFill>
-          <a:blip r:embed="rId3">
-            <a:extLst>
-              <a:ext uri="{28A0092B-C50C-407E-A947-70E740481C1C}">
-                <a14:useLocalDpi xmlns:a14="http://schemas.microsoft.com/office/drawing/2010/main" val="0"/>
-              </a:ext>
-            </a:extLst>
-          </a:blip>
-          <a:stretch>
-            <a:fillRect/>
-          </a:stretch>
-        </p:blipFill>
-        <p:spPr>
-          <a:xfrm>
-            <a:off x="7577216" y="2139696"/>
-            <a:ext cx="1041400" cy="1037096"/>
-          </a:xfrm>
-          <a:prstGeom prst="rect">
-            <a:avLst/>
-          </a:prstGeom>
-        </p:spPr>
-      </p:pic>
-      <p:pic>
-        <p:nvPicPr>
-          <p:cNvPr id="11" name="Picture 10" descr="Pinned documents in the Start Place"/>
-          <p:cNvPicPr>
-            <a:picLocks noChangeAspect="1"/>
-          </p:cNvPicPr>
-          <p:nvPr/>
-        </p:nvPicPr>
-        <p:blipFill>
-          <a:blip r:embed="rId4">
-            <a:extLst>
-              <a:ext uri="{28A0092B-C50C-407E-A947-70E740481C1C}">
-                <a14:useLocalDpi xmlns:a14="http://schemas.microsoft.com/office/drawing/2010/main" val="0"/>
-              </a:ext>
-            </a:extLst>
-          </a:blip>
-          <a:stretch>
-            <a:fillRect/>
-          </a:stretch>
-        </p:blipFill>
-        <p:spPr>
-          <a:xfrm>
-            <a:off x="5316220" y="4011605"/>
-            <a:ext cx="6604793" cy="1963419"/>
-          </a:xfrm>
-          <a:prstGeom prst="rect">
-            <a:avLst/>
-          </a:prstGeom>
-        </p:spPr>
-      </p:pic>
-      <p:pic>
-        <p:nvPicPr>
-          <p:cNvPr id="13" name="Picture 12" descr="Welcome back flag"/>
-          <p:cNvPicPr>
-            <a:picLocks noChangeAspect="1"/>
-          </p:cNvPicPr>
-          <p:nvPr/>
-        </p:nvPicPr>
-        <p:blipFill>
-          <a:blip r:embed="rId5" cstate="print">
-            <a:extLst>
-              <a:ext uri="{28A0092B-C50C-407E-A947-70E740481C1C}">
-                <a14:useLocalDpi xmlns:a14="http://schemas.microsoft.com/office/drawing/2010/main" val="0"/>
-              </a:ext>
-            </a:extLst>
-          </a:blip>
-          <a:stretch>
-            <a:fillRect/>
-          </a:stretch>
-        </p:blipFill>
-        <p:spPr>
-          <a:xfrm>
-            <a:off x="4069080" y="5876069"/>
-            <a:ext cx="1928450" cy="438747"/>
-          </a:xfrm>
-          <a:prstGeom prst="rect">
-            <a:avLst/>
-          </a:prstGeom>
-        </p:spPr>
-      </p:pic>
     </p:spTree>
     <p:extLst>
       <p:ext uri="{BB962C8B-B14F-4D97-AF65-F5344CB8AC3E}">
@@ -5269,489 +5560,7 @@
           <a:p>
             <a:r>
               <a:rPr lang="en-US" dirty="0"/>
-              <a:t>More questions about PowerPoint for Mac?</a:t>
-            </a:r>
-          </a:p>
-        </p:txBody>
-      </p:sp>
-      <p:sp>
-        <p:nvSpPr>
-          <p:cNvPr id="7" name="Text Instruction 1"/>
-          <p:cNvSpPr txBox="1">
-            <a:spLocks/>
-          </p:cNvSpPr>
-          <p:nvPr/>
-        </p:nvSpPr>
-        <p:spPr>
-          <a:xfrm>
-            <a:off x="823998" y="2669297"/>
-            <a:ext cx="4682996" cy="494169"/>
-          </a:xfrm>
-          <a:prstGeom prst="rect">
-            <a:avLst/>
-          </a:prstGeom>
-        </p:spPr>
-        <p:txBody>
-          <a:bodyPr vert="horz" lIns="91440" tIns="45720" rIns="91440" bIns="45720" rtlCol="0">
-            <a:normAutofit/>
-          </a:bodyPr>
-          <a:lstStyle>
-            <a:lvl1pPr marL="228600" indent="-228600" algn="l" defTabSz="914400" rtl="0" eaLnBrk="1" latinLnBrk="0" hangingPunct="1">
-              <a:lnSpc>
-                <a:spcPts val="1800"/>
-              </a:lnSpc>
-              <a:spcBef>
-                <a:spcPts val="1000"/>
-              </a:spcBef>
-              <a:spcAft>
-                <a:spcPts val="1000"/>
-              </a:spcAft>
-              <a:buFont typeface="Arial" panose="020B0604020202020204" pitchFamily="34" charset="0"/>
-              <a:buChar char="•"/>
-              <a:defRPr lang="en-US" sz="2400" kern="1200" baseline="0" smtClean="0">
-                <a:solidFill>
-                  <a:schemeClr val="tx1">
-                    <a:lumMod val="65000"/>
-                    <a:lumOff val="35000"/>
-                  </a:schemeClr>
-                </a:solidFill>
-                <a:latin typeface="+mj-lt"/>
-                <a:ea typeface="+mn-ea"/>
-                <a:cs typeface="+mn-cs"/>
-              </a:defRPr>
-            </a:lvl1pPr>
-            <a:lvl2pPr marL="685800" indent="-228600" algn="l" defTabSz="914400" rtl="0" eaLnBrk="1" latinLnBrk="0" hangingPunct="1">
-              <a:lnSpc>
-                <a:spcPts val="1800"/>
-              </a:lnSpc>
-              <a:spcBef>
-                <a:spcPts val="1000"/>
-              </a:spcBef>
-              <a:spcAft>
-                <a:spcPts val="1000"/>
-              </a:spcAft>
-              <a:buFont typeface="Arial" panose="020B0604020202020204" pitchFamily="34" charset="0"/>
-              <a:buChar char="•"/>
-              <a:defRPr lang="en-US" sz="1200" kern="1200" smtClean="0">
-                <a:solidFill>
-                  <a:schemeClr val="tx1">
-                    <a:lumMod val="75000"/>
-                    <a:lumOff val="25000"/>
-                  </a:schemeClr>
-                </a:solidFill>
-                <a:latin typeface="+mn-lt"/>
-                <a:ea typeface="+mn-ea"/>
-                <a:cs typeface="+mn-cs"/>
-              </a:defRPr>
-            </a:lvl2pPr>
-            <a:lvl3pPr marL="1143000" indent="-228600" algn="l" defTabSz="914400" rtl="0" eaLnBrk="1" latinLnBrk="0" hangingPunct="1">
-              <a:lnSpc>
-                <a:spcPts val="1800"/>
-              </a:lnSpc>
-              <a:spcBef>
-                <a:spcPts val="1000"/>
-              </a:spcBef>
-              <a:spcAft>
-                <a:spcPts val="1000"/>
-              </a:spcAft>
-              <a:buFont typeface="Arial" panose="020B0604020202020204" pitchFamily="34" charset="0"/>
-              <a:buChar char="•"/>
-              <a:defRPr lang="en-US" sz="1200" kern="1200" smtClean="0">
-                <a:solidFill>
-                  <a:schemeClr val="tx1">
-                    <a:lumMod val="75000"/>
-                    <a:lumOff val="25000"/>
-                  </a:schemeClr>
-                </a:solidFill>
-                <a:latin typeface="+mn-lt"/>
-                <a:ea typeface="+mn-ea"/>
-                <a:cs typeface="+mn-cs"/>
-              </a:defRPr>
-            </a:lvl3pPr>
-            <a:lvl4pPr marL="1600200" indent="-228600" algn="l" defTabSz="914400" rtl="0" eaLnBrk="1" latinLnBrk="0" hangingPunct="1">
-              <a:lnSpc>
-                <a:spcPts val="1800"/>
-              </a:lnSpc>
-              <a:spcBef>
-                <a:spcPts val="1000"/>
-              </a:spcBef>
-              <a:spcAft>
-                <a:spcPts val="1000"/>
-              </a:spcAft>
-              <a:buFont typeface="Arial" panose="020B0604020202020204" pitchFamily="34" charset="0"/>
-              <a:buChar char="•"/>
-              <a:defRPr lang="en-US" sz="1200" kern="1200" smtClean="0">
-                <a:solidFill>
-                  <a:schemeClr val="tx1">
-                    <a:lumMod val="75000"/>
-                    <a:lumOff val="25000"/>
-                  </a:schemeClr>
-                </a:solidFill>
-                <a:latin typeface="+mn-lt"/>
-                <a:ea typeface="+mn-ea"/>
-                <a:cs typeface="+mn-cs"/>
-              </a:defRPr>
-            </a:lvl4pPr>
-            <a:lvl5pPr marL="2057400" indent="-228600" algn="l" defTabSz="914400" rtl="0" eaLnBrk="1" latinLnBrk="0" hangingPunct="1">
-              <a:lnSpc>
-                <a:spcPts val="1800"/>
-              </a:lnSpc>
-              <a:spcBef>
-                <a:spcPts val="1000"/>
-              </a:spcBef>
-              <a:spcAft>
-                <a:spcPts val="1000"/>
-              </a:spcAft>
-              <a:buFont typeface="Arial" panose="020B0604020202020204" pitchFamily="34" charset="0"/>
-              <a:buChar char="•"/>
-              <a:defRPr lang="en-US" sz="1200" kern="1200">
-                <a:solidFill>
-                  <a:schemeClr val="tx1">
-                    <a:lumMod val="75000"/>
-                    <a:lumOff val="25000"/>
-                  </a:schemeClr>
-                </a:solidFill>
-                <a:latin typeface="+mn-lt"/>
-                <a:ea typeface="+mn-ea"/>
-                <a:cs typeface="+mn-cs"/>
-              </a:defRPr>
-            </a:lvl5pPr>
-            <a:lvl6pPr marL="2514600" indent="-228600" algn="l" defTabSz="914400" rtl="0" eaLnBrk="1" latinLnBrk="0" hangingPunct="1">
-              <a:lnSpc>
-                <a:spcPct val="90000"/>
-              </a:lnSpc>
-              <a:spcBef>
-                <a:spcPct val="30000"/>
-              </a:spcBef>
-              <a:buFont typeface="Arial" panose="020B0604020202020204" pitchFamily="34" charset="0"/>
-              <a:buChar char="•"/>
-              <a:defRPr sz="1800" kern="1200">
-                <a:solidFill>
-                  <a:schemeClr val="tx1"/>
-                </a:solidFill>
-                <a:latin typeface="+mn-lt"/>
-                <a:ea typeface="+mn-ea"/>
-                <a:cs typeface="+mn-cs"/>
-              </a:defRPr>
-            </a:lvl6pPr>
-            <a:lvl7pPr marL="2971800" indent="-228600" algn="l" defTabSz="914400" rtl="0" eaLnBrk="1" latinLnBrk="0" hangingPunct="1">
-              <a:lnSpc>
-                <a:spcPct val="90000"/>
-              </a:lnSpc>
-              <a:spcBef>
-                <a:spcPct val="30000"/>
-              </a:spcBef>
-              <a:buFont typeface="Arial" panose="020B0604020202020204" pitchFamily="34" charset="0"/>
-              <a:buChar char="•"/>
-              <a:defRPr sz="1800" kern="1200">
-                <a:solidFill>
-                  <a:schemeClr val="tx1"/>
-                </a:solidFill>
-                <a:latin typeface="+mn-lt"/>
-                <a:ea typeface="+mn-ea"/>
-                <a:cs typeface="+mn-cs"/>
-              </a:defRPr>
-            </a:lvl7pPr>
-            <a:lvl8pPr marL="3429000" indent="-228600" algn="l" defTabSz="914400" rtl="0" eaLnBrk="1" latinLnBrk="0" hangingPunct="1">
-              <a:lnSpc>
-                <a:spcPct val="90000"/>
-              </a:lnSpc>
-              <a:spcBef>
-                <a:spcPct val="30000"/>
-              </a:spcBef>
-              <a:buFont typeface="Arial" panose="020B0604020202020204" pitchFamily="34" charset="0"/>
-              <a:buChar char="•"/>
-              <a:defRPr sz="1800" kern="1200">
-                <a:solidFill>
-                  <a:schemeClr val="tx1"/>
-                </a:solidFill>
-                <a:latin typeface="+mn-lt"/>
-                <a:ea typeface="+mn-ea"/>
-                <a:cs typeface="+mn-cs"/>
-              </a:defRPr>
-            </a:lvl8pPr>
-            <a:lvl9pPr marL="3886200" indent="-228600" algn="l" defTabSz="914400" rtl="0" eaLnBrk="1" latinLnBrk="0" hangingPunct="1">
-              <a:lnSpc>
-                <a:spcPct val="90000"/>
-              </a:lnSpc>
-              <a:spcBef>
-                <a:spcPct val="30000"/>
-              </a:spcBef>
-              <a:buFont typeface="Arial" panose="020B0604020202020204" pitchFamily="34" charset="0"/>
-              <a:buChar char="•"/>
-              <a:defRPr sz="1800" kern="1200">
-                <a:solidFill>
-                  <a:schemeClr val="tx1"/>
-                </a:solidFill>
-                <a:latin typeface="+mn-lt"/>
-                <a:ea typeface="+mn-ea"/>
-                <a:cs typeface="+mn-cs"/>
-              </a:defRPr>
-            </a:lvl9pPr>
-          </a:lstStyle>
-          <a:p>
-            <a:pPr marL="0" indent="0">
-              <a:lnSpc>
-                <a:spcPct val="150000"/>
-              </a:lnSpc>
-              <a:buFont typeface="Arial" panose="020B0604020202020204" pitchFamily="34" charset="0"/>
-              <a:buNone/>
-            </a:pPr>
-            <a:r>
-              <a:rPr lang="en-US" sz="1200" dirty="0">
-                <a:latin typeface="Arial" panose="020B0604020202020204" pitchFamily="34" charset="0"/>
-                <a:cs typeface="Arial" panose="020B0604020202020204" pitchFamily="34" charset="0"/>
-              </a:rPr>
-              <a:t>SELECT THE ARROW WHEN IN SLIDE SHOW MODE</a:t>
-            </a:r>
-          </a:p>
-        </p:txBody>
-      </p:sp>
-      <p:sp>
-        <p:nvSpPr>
-          <p:cNvPr id="8" name="Content Placeholder 4"/>
-          <p:cNvSpPr txBox="1">
-            <a:spLocks/>
-          </p:cNvSpPr>
-          <p:nvPr/>
-        </p:nvSpPr>
-        <p:spPr>
-          <a:xfrm>
-            <a:off x="823998" y="3195102"/>
-            <a:ext cx="9796189" cy="1340627"/>
-          </a:xfrm>
-          <a:prstGeom prst="rect">
-            <a:avLst/>
-          </a:prstGeom>
-        </p:spPr>
-        <p:txBody>
-          <a:bodyPr vert="horz" lIns="91440" tIns="45720" rIns="91440" bIns="45720" rtlCol="0">
-            <a:normAutofit/>
-          </a:bodyPr>
-          <a:lstStyle>
-            <a:lvl1pPr marL="228600" indent="-228600" algn="l" defTabSz="914400" rtl="0" eaLnBrk="1" latinLnBrk="0" hangingPunct="1">
-              <a:lnSpc>
-                <a:spcPts val="1800"/>
-              </a:lnSpc>
-              <a:spcBef>
-                <a:spcPts val="1000"/>
-              </a:spcBef>
-              <a:spcAft>
-                <a:spcPts val="1000"/>
-              </a:spcAft>
-              <a:buFont typeface="Arial" panose="020B0604020202020204" pitchFamily="34" charset="0"/>
-              <a:buChar char="•"/>
-              <a:defRPr lang="en-US" sz="2400" kern="1200" baseline="0" smtClean="0">
-                <a:solidFill>
-                  <a:schemeClr val="tx1">
-                    <a:lumMod val="65000"/>
-                    <a:lumOff val="35000"/>
-                  </a:schemeClr>
-                </a:solidFill>
-                <a:latin typeface="+mj-lt"/>
-                <a:ea typeface="+mn-ea"/>
-                <a:cs typeface="+mn-cs"/>
-              </a:defRPr>
-            </a:lvl1pPr>
-            <a:lvl2pPr marL="685800" indent="-228600" algn="l" defTabSz="914400" rtl="0" eaLnBrk="1" latinLnBrk="0" hangingPunct="1">
-              <a:lnSpc>
-                <a:spcPts val="1800"/>
-              </a:lnSpc>
-              <a:spcBef>
-                <a:spcPts val="1000"/>
-              </a:spcBef>
-              <a:spcAft>
-                <a:spcPts val="1000"/>
-              </a:spcAft>
-              <a:buFont typeface="Arial" panose="020B0604020202020204" pitchFamily="34" charset="0"/>
-              <a:buChar char="•"/>
-              <a:defRPr lang="en-US" sz="1200" kern="1200" smtClean="0">
-                <a:solidFill>
-                  <a:schemeClr val="tx1">
-                    <a:lumMod val="75000"/>
-                    <a:lumOff val="25000"/>
-                  </a:schemeClr>
-                </a:solidFill>
-                <a:latin typeface="+mn-lt"/>
-                <a:ea typeface="+mn-ea"/>
-                <a:cs typeface="+mn-cs"/>
-              </a:defRPr>
-            </a:lvl2pPr>
-            <a:lvl3pPr marL="1143000" indent="-228600" algn="l" defTabSz="914400" rtl="0" eaLnBrk="1" latinLnBrk="0" hangingPunct="1">
-              <a:lnSpc>
-                <a:spcPts val="1800"/>
-              </a:lnSpc>
-              <a:spcBef>
-                <a:spcPts val="1000"/>
-              </a:spcBef>
-              <a:spcAft>
-                <a:spcPts val="1000"/>
-              </a:spcAft>
-              <a:buFont typeface="Arial" panose="020B0604020202020204" pitchFamily="34" charset="0"/>
-              <a:buChar char="•"/>
-              <a:defRPr lang="en-US" sz="1200" kern="1200" smtClean="0">
-                <a:solidFill>
-                  <a:schemeClr val="tx1">
-                    <a:lumMod val="75000"/>
-                    <a:lumOff val="25000"/>
-                  </a:schemeClr>
-                </a:solidFill>
-                <a:latin typeface="+mn-lt"/>
-                <a:ea typeface="+mn-ea"/>
-                <a:cs typeface="+mn-cs"/>
-              </a:defRPr>
-            </a:lvl3pPr>
-            <a:lvl4pPr marL="1600200" indent="-228600" algn="l" defTabSz="914400" rtl="0" eaLnBrk="1" latinLnBrk="0" hangingPunct="1">
-              <a:lnSpc>
-                <a:spcPts val="1800"/>
-              </a:lnSpc>
-              <a:spcBef>
-                <a:spcPts val="1000"/>
-              </a:spcBef>
-              <a:spcAft>
-                <a:spcPts val="1000"/>
-              </a:spcAft>
-              <a:buFont typeface="Arial" panose="020B0604020202020204" pitchFamily="34" charset="0"/>
-              <a:buChar char="•"/>
-              <a:defRPr lang="en-US" sz="1200" kern="1200" smtClean="0">
-                <a:solidFill>
-                  <a:schemeClr val="tx1">
-                    <a:lumMod val="75000"/>
-                    <a:lumOff val="25000"/>
-                  </a:schemeClr>
-                </a:solidFill>
-                <a:latin typeface="+mn-lt"/>
-                <a:ea typeface="+mn-ea"/>
-                <a:cs typeface="+mn-cs"/>
-              </a:defRPr>
-            </a:lvl4pPr>
-            <a:lvl5pPr marL="2057400" indent="-228600" algn="l" defTabSz="914400" rtl="0" eaLnBrk="1" latinLnBrk="0" hangingPunct="1">
-              <a:lnSpc>
-                <a:spcPts val="1800"/>
-              </a:lnSpc>
-              <a:spcBef>
-                <a:spcPts val="1000"/>
-              </a:spcBef>
-              <a:spcAft>
-                <a:spcPts val="1000"/>
-              </a:spcAft>
-              <a:buFont typeface="Arial" panose="020B0604020202020204" pitchFamily="34" charset="0"/>
-              <a:buChar char="•"/>
-              <a:defRPr lang="en-US" sz="1200" kern="1200">
-                <a:solidFill>
-                  <a:schemeClr val="tx1">
-                    <a:lumMod val="75000"/>
-                    <a:lumOff val="25000"/>
-                  </a:schemeClr>
-                </a:solidFill>
-                <a:latin typeface="+mn-lt"/>
-                <a:ea typeface="+mn-ea"/>
-                <a:cs typeface="+mn-cs"/>
-              </a:defRPr>
-            </a:lvl5pPr>
-            <a:lvl6pPr marL="2514600" indent="-228600" algn="l" defTabSz="914400" rtl="0" eaLnBrk="1" latinLnBrk="0" hangingPunct="1">
-              <a:lnSpc>
-                <a:spcPct val="90000"/>
-              </a:lnSpc>
-              <a:spcBef>
-                <a:spcPct val="30000"/>
-              </a:spcBef>
-              <a:buFont typeface="Arial" panose="020B0604020202020204" pitchFamily="34" charset="0"/>
-              <a:buChar char="•"/>
-              <a:defRPr sz="1800" kern="1200">
-                <a:solidFill>
-                  <a:schemeClr val="tx1"/>
-                </a:solidFill>
-                <a:latin typeface="+mn-lt"/>
-                <a:ea typeface="+mn-ea"/>
-                <a:cs typeface="+mn-cs"/>
-              </a:defRPr>
-            </a:lvl6pPr>
-            <a:lvl7pPr marL="2971800" indent="-228600" algn="l" defTabSz="914400" rtl="0" eaLnBrk="1" latinLnBrk="0" hangingPunct="1">
-              <a:lnSpc>
-                <a:spcPct val="90000"/>
-              </a:lnSpc>
-              <a:spcBef>
-                <a:spcPct val="30000"/>
-              </a:spcBef>
-              <a:buFont typeface="Arial" panose="020B0604020202020204" pitchFamily="34" charset="0"/>
-              <a:buChar char="•"/>
-              <a:defRPr sz="1800" kern="1200">
-                <a:solidFill>
-                  <a:schemeClr val="tx1"/>
-                </a:solidFill>
-                <a:latin typeface="+mn-lt"/>
-                <a:ea typeface="+mn-ea"/>
-                <a:cs typeface="+mn-cs"/>
-              </a:defRPr>
-            </a:lvl7pPr>
-            <a:lvl8pPr marL="3429000" indent="-228600" algn="l" defTabSz="914400" rtl="0" eaLnBrk="1" latinLnBrk="0" hangingPunct="1">
-              <a:lnSpc>
-                <a:spcPct val="90000"/>
-              </a:lnSpc>
-              <a:spcBef>
-                <a:spcPct val="30000"/>
-              </a:spcBef>
-              <a:buFont typeface="Arial" panose="020B0604020202020204" pitchFamily="34" charset="0"/>
-              <a:buChar char="•"/>
-              <a:defRPr sz="1800" kern="1200">
-                <a:solidFill>
-                  <a:schemeClr val="tx1"/>
-                </a:solidFill>
-                <a:latin typeface="+mn-lt"/>
-                <a:ea typeface="+mn-ea"/>
-                <a:cs typeface="+mn-cs"/>
-              </a:defRPr>
-            </a:lvl8pPr>
-            <a:lvl9pPr marL="3886200" indent="-228600" algn="l" defTabSz="914400" rtl="0" eaLnBrk="1" latinLnBrk="0" hangingPunct="1">
-              <a:lnSpc>
-                <a:spcPct val="90000"/>
-              </a:lnSpc>
-              <a:spcBef>
-                <a:spcPct val="30000"/>
-              </a:spcBef>
-              <a:buFont typeface="Arial" panose="020B0604020202020204" pitchFamily="34" charset="0"/>
-              <a:buChar char="•"/>
-              <a:defRPr sz="1800" kern="1200">
-                <a:solidFill>
-                  <a:schemeClr val="tx1"/>
-                </a:solidFill>
-                <a:latin typeface="+mn-lt"/>
-                <a:ea typeface="+mn-ea"/>
-                <a:cs typeface="+mn-cs"/>
-              </a:defRPr>
-            </a:lvl9pPr>
-          </a:lstStyle>
-          <a:p>
-            <a:pPr marL="0" indent="0">
-              <a:lnSpc>
-                <a:spcPts val="3600"/>
-              </a:lnSpc>
-              <a:buFont typeface="Arial" panose="020B0604020202020204" pitchFamily="34" charset="0"/>
-              <a:buNone/>
-            </a:pPr>
-            <a:r>
-              <a:rPr lang="en-US" sz="2000" dirty="0">
-                <a:latin typeface="Arial" panose="020B0604020202020204" pitchFamily="34" charset="0"/>
-                <a:cs typeface="Arial" panose="020B0604020202020204" pitchFamily="34" charset="0"/>
-              </a:rPr>
-              <a:t>Find out more at the PowerPoint for Mac Help Center.</a:t>
-            </a:r>
-          </a:p>
-          <a:p>
-            <a:pPr marL="0" indent="0">
-              <a:lnSpc>
-                <a:spcPct val="150000"/>
-              </a:lnSpc>
-              <a:buFont typeface="Arial" panose="020B0604020202020204" pitchFamily="34" charset="0"/>
-              <a:buNone/>
-            </a:pPr>
-            <a:r>
-              <a:rPr lang="en-US" sz="2000" dirty="0">
-                <a:latin typeface="Arial" panose="020B0604020202020204" pitchFamily="34" charset="0"/>
-                <a:cs typeface="Arial" panose="020B0604020202020204" pitchFamily="34" charset="0"/>
-              </a:rPr>
-              <a:t>Visit the PowerPoint team blog.</a:t>
+              <a:t>Contact us</a:t>
             </a:r>
           </a:p>
         </p:txBody>
